--- a/LearningNote/CEH/CEH.pptx
+++ b/LearningNote/CEH/CEH.pptx
@@ -2,24 +2,24 @@
 <file path=ppt/presentation.xml><?xml version="1.0" encoding="utf-8"?>
 <p:presentation xmlns:a="http://schemas.openxmlformats.org/drawingml/2006/main" xmlns:r="http://schemas.openxmlformats.org/officeDocument/2006/relationships" xmlns:p="http://schemas.openxmlformats.org/presentationml/2006/main">
   <p:sldMasterIdLst>
-    <p:sldMasterId id="2147483648" r:id="rId5"/>
+    <p:sldMasterId id="2147483648" r:id="rId1"/>
   </p:sldMasterIdLst>
   <p:notesMasterIdLst>
-    <p:notesMasterId r:id="rId7"/>
+    <p:notesMasterId r:id="rId14"/>
   </p:notesMasterIdLst>
   <p:sldIdLst>
-    <p:sldId id="256" r:id="rId8"/>
-    <p:sldId id="257" r:id="rId9"/>
-    <p:sldId id="258" r:id="rId10"/>
-    <p:sldId id="259" r:id="rId11"/>
-    <p:sldId id="260" r:id="rId12"/>
-    <p:sldId id="261" r:id="rId13"/>
-    <p:sldId id="262" r:id="rId14"/>
-    <p:sldId id="263" r:id="rId15"/>
-    <p:sldId id="264" r:id="rId16"/>
-    <p:sldId id="265" r:id="rId17"/>
-    <p:sldId id="266" r:id="rId18"/>
-    <p:sldId id="267" r:id="rId19"/>
+    <p:sldId id="256" r:id="rId2"/>
+    <p:sldId id="257" r:id="rId3"/>
+    <p:sldId id="258" r:id="rId4"/>
+    <p:sldId id="259" r:id="rId5"/>
+    <p:sldId id="260" r:id="rId6"/>
+    <p:sldId id="261" r:id="rId7"/>
+    <p:sldId id="262" r:id="rId8"/>
+    <p:sldId id="263" r:id="rId9"/>
+    <p:sldId id="264" r:id="rId10"/>
+    <p:sldId id="265" r:id="rId11"/>
+    <p:sldId id="266" r:id="rId12"/>
+    <p:sldId id="267" r:id="rId13"/>
   </p:sldIdLst>
   <p:sldSz cx="13004800" cy="9753600"/>
   <p:notesSz cx="6858000" cy="9144000"/>
@@ -39,7 +39,7 @@
       <a:buFontTx/>
       <a:buNone/>
       <a:tabLst/>
-      <a:defRPr b="0" baseline="0" cap="none" i="0" spc="0" strike="noStrike" sz="1800" u="none" kumimoji="0" normalizeH="0">
+      <a:defRPr kumimoji="0" sz="1800" b="0" i="0" u="none" strike="noStrike" cap="none" spc="0" normalizeH="0" baseline="0">
         <a:ln>
           <a:noFill/>
         </a:ln>
@@ -65,7 +65,7 @@
       <a:buFontTx/>
       <a:buNone/>
       <a:tabLst/>
-      <a:defRPr b="0" baseline="0" cap="none" i="0" spc="0" strike="noStrike" sz="3600" u="none" kumimoji="0" normalizeH="0">
+      <a:defRPr kumimoji="0" sz="3600" b="0" i="0" u="none" strike="noStrike" cap="none" spc="0" normalizeH="0" baseline="0">
         <a:ln>
           <a:noFill/>
         </a:ln>
@@ -95,7 +95,7 @@
       <a:buFontTx/>
       <a:buNone/>
       <a:tabLst/>
-      <a:defRPr b="0" baseline="0" cap="none" i="0" spc="0" strike="noStrike" sz="3600" u="none" kumimoji="0" normalizeH="0">
+      <a:defRPr kumimoji="0" sz="3600" b="0" i="0" u="none" strike="noStrike" cap="none" spc="0" normalizeH="0" baseline="0">
         <a:ln>
           <a:noFill/>
         </a:ln>
@@ -125,7 +125,7 @@
       <a:buFontTx/>
       <a:buNone/>
       <a:tabLst/>
-      <a:defRPr b="0" baseline="0" cap="none" i="0" spc="0" strike="noStrike" sz="3600" u="none" kumimoji="0" normalizeH="0">
+      <a:defRPr kumimoji="0" sz="3600" b="0" i="0" u="none" strike="noStrike" cap="none" spc="0" normalizeH="0" baseline="0">
         <a:ln>
           <a:noFill/>
         </a:ln>
@@ -155,7 +155,7 @@
       <a:buFontTx/>
       <a:buNone/>
       <a:tabLst/>
-      <a:defRPr b="0" baseline="0" cap="none" i="0" spc="0" strike="noStrike" sz="3600" u="none" kumimoji="0" normalizeH="0">
+      <a:defRPr kumimoji="0" sz="3600" b="0" i="0" u="none" strike="noStrike" cap="none" spc="0" normalizeH="0" baseline="0">
         <a:ln>
           <a:noFill/>
         </a:ln>
@@ -185,7 +185,7 @@
       <a:buFontTx/>
       <a:buNone/>
       <a:tabLst/>
-      <a:defRPr b="0" baseline="0" cap="none" i="0" spc="0" strike="noStrike" sz="3600" u="none" kumimoji="0" normalizeH="0">
+      <a:defRPr kumimoji="0" sz="3600" b="0" i="0" u="none" strike="noStrike" cap="none" spc="0" normalizeH="0" baseline="0">
         <a:ln>
           <a:noFill/>
         </a:ln>
@@ -215,7 +215,7 @@
       <a:buFontTx/>
       <a:buNone/>
       <a:tabLst/>
-      <a:defRPr b="0" baseline="0" cap="none" i="0" spc="0" strike="noStrike" sz="3600" u="none" kumimoji="0" normalizeH="0">
+      <a:defRPr kumimoji="0" sz="3600" b="0" i="0" u="none" strike="noStrike" cap="none" spc="0" normalizeH="0" baseline="0">
         <a:ln>
           <a:noFill/>
         </a:ln>
@@ -245,7 +245,7 @@
       <a:buFontTx/>
       <a:buNone/>
       <a:tabLst/>
-      <a:defRPr b="0" baseline="0" cap="none" i="0" spc="0" strike="noStrike" sz="3600" u="none" kumimoji="0" normalizeH="0">
+      <a:defRPr kumimoji="0" sz="3600" b="0" i="0" u="none" strike="noStrike" cap="none" spc="0" normalizeH="0" baseline="0">
         <a:ln>
           <a:noFill/>
         </a:ln>
@@ -275,7 +275,7 @@
       <a:buFontTx/>
       <a:buNone/>
       <a:tabLst/>
-      <a:defRPr b="0" baseline="0" cap="none" i="0" spc="0" strike="noStrike" sz="3600" u="none" kumimoji="0" normalizeH="0">
+      <a:defRPr kumimoji="0" sz="3600" b="0" i="0" u="none" strike="noStrike" cap="none" spc="0" normalizeH="0" baseline="0">
         <a:ln>
           <a:noFill/>
         </a:ln>
@@ -305,7 +305,7 @@
       <a:buFontTx/>
       <a:buNone/>
       <a:tabLst/>
-      <a:defRPr b="0" baseline="0" cap="none" i="0" spc="0" strike="noStrike" sz="3600" u="none" kumimoji="0" normalizeH="0">
+      <a:defRPr kumimoji="0" sz="3600" b="0" i="0" u="none" strike="noStrike" cap="none" spc="0" normalizeH="0" baseline="0">
         <a:ln>
           <a:noFill/>
         </a:ln>
@@ -324,13 +324,14 @@
 </p:presentation>
 </file>
 
-<file path=ppt/commentAuthors.xml><?xml version="1.0" encoding="utf-8"?>
-<p:cmAuthorLst xmlns:a="http://schemas.openxmlformats.org/drawingml/2006/main" xmlns:r="http://schemas.openxmlformats.org/officeDocument/2006/relationships" xmlns:p="http://schemas.openxmlformats.org/presentationml/2006/main"/>
-</file>
-
 <file path=ppt/notesMasters/notesMaster1.xml><?xml version="1.0" encoding="utf-8"?>
 <p:notesMaster xmlns:a="http://schemas.openxmlformats.org/drawingml/2006/main" xmlns:r="http://schemas.openxmlformats.org/officeDocument/2006/relationships" xmlns:p="http://schemas.openxmlformats.org/presentationml/2006/main">
   <p:cSld>
+    <p:bg>
+      <p:bgRef idx="1001">
+        <a:schemeClr val="bg1"/>
+      </p:bgRef>
+    </p:bg>
     <p:spTree>
       <p:nvGrpSpPr>
         <p:cNvPr id="1" name=""/>
@@ -348,7 +349,9 @@
       <p:sp>
         <p:nvSpPr>
           <p:cNvPr id="116" name="Shape 116"/>
-          <p:cNvSpPr/>
+          <p:cNvSpPr>
+            <a:spLocks noGrp="1" noRot="1" noChangeAspect="1"/>
+          </p:cNvSpPr>
           <p:nvPr>
             <p:ph type="sldImg"/>
           </p:nvPr>
@@ -366,14 +369,16 @@
           <a:bodyPr/>
           <a:lstStyle/>
           <a:p>
-            <a:pPr/>
+            <a:endParaRPr/>
           </a:p>
         </p:txBody>
       </p:sp>
       <p:sp>
         <p:nvSpPr>
           <p:cNvPr id="117" name="Shape 117"/>
-          <p:cNvSpPr/>
+          <p:cNvSpPr>
+            <a:spLocks noGrp="1"/>
+          </p:cNvSpPr>
           <p:nvPr>
             <p:ph type="body" sz="quarter" idx="1"/>
           </p:nvPr>
@@ -391,11 +396,16 @@
           <a:bodyPr/>
           <a:lstStyle/>
           <a:p>
-            <a:pPr/>
+            <a:endParaRPr/>
           </a:p>
         </p:txBody>
       </p:sp>
     </p:spTree>
+    <p:extLst>
+      <p:ext uri="{BB962C8B-B14F-4D97-AF65-F5344CB8AC3E}">
+        <p14:creationId xmlns:p14="http://schemas.microsoft.com/office/powerpoint/2010/main" val="2657935988"/>
+      </p:ext>
+    </p:extLst>
   </p:cSld>
   <p:clrMap bg1="lt1" tx1="dk1" bg2="lt2" tx2="dk2" accent1="accent1" accent2="accent2" accent3="accent3" accent4="accent4" accent5="accent5" accent6="accent6" hlink="hlink" folHlink="folHlink"/>
   <p:notesStyle>
@@ -503,7 +513,7 @@
 </file>
 
 <file path=ppt/slideLayouts/slideLayout1.xml><?xml version="1.0" encoding="utf-8"?>
-<p:sldLayout xmlns:a="http://schemas.openxmlformats.org/drawingml/2006/main" xmlns:r="http://schemas.openxmlformats.org/officeDocument/2006/relationships" xmlns:p="http://schemas.openxmlformats.org/presentationml/2006/main" type="title" showMasterSp="1" showMasterPhAnim="1">
+<p:sldLayout xmlns:a="http://schemas.openxmlformats.org/drawingml/2006/main" xmlns:r="http://schemas.openxmlformats.org/officeDocument/2006/relationships" xmlns:p="http://schemas.openxmlformats.org/presentationml/2006/main" type="title">
   <p:cSld name="Title &amp; Subtitle">
     <p:spTree>
       <p:nvGrpSpPr>
@@ -522,7 +532,9 @@
       <p:sp>
         <p:nvSpPr>
           <p:cNvPr id="11" name="Title Text"/>
-          <p:cNvSpPr txBox="1"/>
+          <p:cNvSpPr txBox="1">
+            <a:spLocks noGrp="1"/>
+          </p:cNvSpPr>
           <p:nvPr>
             <p:ph type="title"/>
           </p:nvPr>
@@ -540,7 +552,6 @@
           <a:bodyPr anchor="b"/>
           <a:lstStyle/>
           <a:p>
-            <a:pPr/>
             <a:r>
               <a:t>Title Text</a:t>
             </a:r>
@@ -550,7 +561,9 @@
       <p:sp>
         <p:nvSpPr>
           <p:cNvPr id="12" name="Body Level One…"/>
-          <p:cNvSpPr txBox="1"/>
+          <p:cNvSpPr txBox="1">
+            <a:spLocks noGrp="1"/>
+          </p:cNvSpPr>
           <p:nvPr>
             <p:ph type="body" sz="quarter" idx="1"/>
           </p:nvPr>
@@ -609,7 +622,6 @@
             </a:lvl5pPr>
           </a:lstStyle>
           <a:p>
-            <a:pPr/>
             <a:r>
               <a:t>Body Level One</a:t>
             </a:r>
@@ -643,7 +655,9 @@
       <p:sp>
         <p:nvSpPr>
           <p:cNvPr id="13" name="Slide Number"/>
-          <p:cNvSpPr txBox="1"/>
+          <p:cNvSpPr txBox="1">
+            <a:spLocks noGrp="1"/>
+          </p:cNvSpPr>
           <p:nvPr>
             <p:ph type="sldNum" sz="quarter" idx="2"/>
           </p:nvPr>
@@ -657,8 +671,10 @@
           <a:bodyPr/>
           <a:lstStyle/>
           <a:p>
-            <a:pPr/>
-            <a:fld id="{86CB4B4D-7CA3-9044-876B-883B54F8677D}" type="slidenum"/>
+            <a:fld id="{86CB4B4D-7CA3-9044-876B-883B54F8677D}" type="slidenum">
+              <a:t>‹#›</a:t>
+            </a:fld>
+            <a:endParaRPr/>
           </a:p>
         </p:txBody>
       </p:sp>
@@ -667,12 +683,12 @@
   <p:clrMapOvr>
     <a:masterClrMapping/>
   </p:clrMapOvr>
-  <p:transition xmlns:p14="http://schemas.microsoft.com/office/powerpoint/2010/main" spd="med" advClick="1"/>
+  <p:transition spd="med"/>
 </p:sldLayout>
 </file>
 
 <file path=ppt/slideLayouts/slideLayout10.xml><?xml version="1.0" encoding="utf-8"?>
-<p:sldLayout xmlns:a="http://schemas.openxmlformats.org/drawingml/2006/main" xmlns:r="http://schemas.openxmlformats.org/officeDocument/2006/relationships" xmlns:p="http://schemas.openxmlformats.org/presentationml/2006/main" type="tx" showMasterSp="1" showMasterPhAnim="1">
+<p:sldLayout xmlns:a="http://schemas.openxmlformats.org/drawingml/2006/main" xmlns:r="http://schemas.openxmlformats.org/officeDocument/2006/relationships" xmlns:p="http://schemas.openxmlformats.org/presentationml/2006/main" type="tx">
   <p:cSld name="Quote">
     <p:spTree>
       <p:nvGrpSpPr>
@@ -691,7 +707,9 @@
       <p:sp>
         <p:nvSpPr>
           <p:cNvPr id="93" name="–Johnny Appleseed"/>
-          <p:cNvSpPr txBox="1"/>
+          <p:cNvSpPr txBox="1">
+            <a:spLocks noGrp="1"/>
+          </p:cNvSpPr>
           <p:nvPr>
             <p:ph type="body" sz="quarter" idx="13"/>
           </p:nvPr>
@@ -716,11 +734,10 @@
               </a:spcBef>
               <a:buSzTx/>
               <a:buNone/>
-              <a:defRPr i="1" sz="2400"/>
+              <a:defRPr sz="2400" i="1"/>
             </a:lvl1pPr>
           </a:lstStyle>
           <a:p>
-            <a:pPr/>
             <a:r>
               <a:t>–Johnny Appleseed</a:t>
             </a:r>
@@ -730,7 +747,9 @@
       <p:sp>
         <p:nvSpPr>
           <p:cNvPr id="94" name="“Type a quote here.”"/>
-          <p:cNvSpPr txBox="1"/>
+          <p:cNvSpPr txBox="1">
+            <a:spLocks noGrp="1"/>
+          </p:cNvSpPr>
           <p:nvPr>
             <p:ph type="body" sz="quarter" idx="14"/>
           </p:nvPr>
@@ -758,7 +777,6 @@
             </a:lvl1pPr>
           </a:lstStyle>
           <a:p>
-            <a:pPr/>
             <a:r>
               <a:t>“Type a quote here.” </a:t>
             </a:r>
@@ -768,7 +786,9 @@
       <p:sp>
         <p:nvSpPr>
           <p:cNvPr id="95" name="Slide Number"/>
-          <p:cNvSpPr txBox="1"/>
+          <p:cNvSpPr txBox="1">
+            <a:spLocks noGrp="1"/>
+          </p:cNvSpPr>
           <p:nvPr>
             <p:ph type="sldNum" sz="quarter" idx="2"/>
           </p:nvPr>
@@ -782,8 +802,10 @@
           <a:bodyPr/>
           <a:lstStyle/>
           <a:p>
-            <a:pPr/>
-            <a:fld id="{86CB4B4D-7CA3-9044-876B-883B54F8677D}" type="slidenum"/>
+            <a:fld id="{86CB4B4D-7CA3-9044-876B-883B54F8677D}" type="slidenum">
+              <a:t>‹#›</a:t>
+            </a:fld>
+            <a:endParaRPr/>
           </a:p>
         </p:txBody>
       </p:sp>
@@ -792,12 +814,12 @@
   <p:clrMapOvr>
     <a:masterClrMapping/>
   </p:clrMapOvr>
-  <p:transition xmlns:p14="http://schemas.microsoft.com/office/powerpoint/2010/main" spd="med" advClick="1"/>
+  <p:transition spd="med"/>
 </p:sldLayout>
 </file>
 
 <file path=ppt/slideLayouts/slideLayout11.xml><?xml version="1.0" encoding="utf-8"?>
-<p:sldLayout xmlns:a="http://schemas.openxmlformats.org/drawingml/2006/main" xmlns:r="http://schemas.openxmlformats.org/officeDocument/2006/relationships" xmlns:p="http://schemas.openxmlformats.org/presentationml/2006/main" type="tx" showMasterSp="1" showMasterPhAnim="1">
+<p:sldLayout xmlns:a="http://schemas.openxmlformats.org/drawingml/2006/main" xmlns:r="http://schemas.openxmlformats.org/officeDocument/2006/relationships" xmlns:p="http://schemas.openxmlformats.org/presentationml/2006/main" type="tx">
   <p:cSld name="Photo">
     <p:spTree>
       <p:nvGrpSpPr>
@@ -816,7 +838,9 @@
       <p:sp>
         <p:nvSpPr>
           <p:cNvPr id="102" name="Image"/>
-          <p:cNvSpPr/>
+          <p:cNvSpPr>
+            <a:spLocks noGrp="1"/>
+          </p:cNvSpPr>
           <p:nvPr>
             <p:ph type="pic" idx="13"/>
           </p:nvPr>
@@ -836,14 +860,16 @@
           </a:bodyPr>
           <a:lstStyle/>
           <a:p>
-            <a:pPr/>
+            <a:endParaRPr/>
           </a:p>
         </p:txBody>
       </p:sp>
       <p:sp>
         <p:nvSpPr>
           <p:cNvPr id="103" name="Slide Number"/>
-          <p:cNvSpPr txBox="1"/>
+          <p:cNvSpPr txBox="1">
+            <a:spLocks noGrp="1"/>
+          </p:cNvSpPr>
           <p:nvPr>
             <p:ph type="sldNum" sz="quarter" idx="2"/>
           </p:nvPr>
@@ -857,8 +883,10 @@
           <a:bodyPr/>
           <a:lstStyle/>
           <a:p>
-            <a:pPr/>
-            <a:fld id="{86CB4B4D-7CA3-9044-876B-883B54F8677D}" type="slidenum"/>
+            <a:fld id="{86CB4B4D-7CA3-9044-876B-883B54F8677D}" type="slidenum">
+              <a:t>‹#›</a:t>
+            </a:fld>
+            <a:endParaRPr/>
           </a:p>
         </p:txBody>
       </p:sp>
@@ -867,12 +895,12 @@
   <p:clrMapOvr>
     <a:masterClrMapping/>
   </p:clrMapOvr>
-  <p:transition xmlns:p14="http://schemas.microsoft.com/office/powerpoint/2010/main" spd="med" advClick="1"/>
+  <p:transition spd="med"/>
 </p:sldLayout>
 </file>
 
 <file path=ppt/slideLayouts/slideLayout12.xml><?xml version="1.0" encoding="utf-8"?>
-<p:sldLayout xmlns:a="http://schemas.openxmlformats.org/drawingml/2006/main" xmlns:r="http://schemas.openxmlformats.org/officeDocument/2006/relationships" xmlns:p="http://schemas.openxmlformats.org/presentationml/2006/main" type="tx" showMasterSp="1" showMasterPhAnim="1">
+<p:sldLayout xmlns:a="http://schemas.openxmlformats.org/drawingml/2006/main" xmlns:r="http://schemas.openxmlformats.org/officeDocument/2006/relationships" xmlns:p="http://schemas.openxmlformats.org/presentationml/2006/main" type="tx">
   <p:cSld name="Blank">
     <p:spTree>
       <p:nvGrpSpPr>
@@ -891,7 +919,9 @@
       <p:sp>
         <p:nvSpPr>
           <p:cNvPr id="110" name="Slide Number"/>
-          <p:cNvSpPr txBox="1"/>
+          <p:cNvSpPr txBox="1">
+            <a:spLocks noGrp="1"/>
+          </p:cNvSpPr>
           <p:nvPr>
             <p:ph type="sldNum" sz="quarter" idx="2"/>
           </p:nvPr>
@@ -905,8 +935,10 @@
           <a:bodyPr/>
           <a:lstStyle/>
           <a:p>
-            <a:pPr/>
-            <a:fld id="{86CB4B4D-7CA3-9044-876B-883B54F8677D}" type="slidenum"/>
+            <a:fld id="{86CB4B4D-7CA3-9044-876B-883B54F8677D}" type="slidenum">
+              <a:t>‹#›</a:t>
+            </a:fld>
+            <a:endParaRPr/>
           </a:p>
         </p:txBody>
       </p:sp>
@@ -915,12 +947,12 @@
   <p:clrMapOvr>
     <a:masterClrMapping/>
   </p:clrMapOvr>
-  <p:transition xmlns:p14="http://schemas.microsoft.com/office/powerpoint/2010/main" spd="med" advClick="1"/>
+  <p:transition spd="med"/>
 </p:sldLayout>
 </file>
 
 <file path=ppt/slideLayouts/slideLayout2.xml><?xml version="1.0" encoding="utf-8"?>
-<p:sldLayout xmlns:a="http://schemas.openxmlformats.org/drawingml/2006/main" xmlns:r="http://schemas.openxmlformats.org/officeDocument/2006/relationships" xmlns:p="http://schemas.openxmlformats.org/presentationml/2006/main" type="tx" showMasterSp="1" showMasterPhAnim="1">
+<p:sldLayout xmlns:a="http://schemas.openxmlformats.org/drawingml/2006/main" xmlns:r="http://schemas.openxmlformats.org/officeDocument/2006/relationships" xmlns:p="http://schemas.openxmlformats.org/presentationml/2006/main" type="tx">
   <p:cSld name="Photo - Horizontal">
     <p:spTree>
       <p:nvGrpSpPr>
@@ -939,7 +971,9 @@
       <p:sp>
         <p:nvSpPr>
           <p:cNvPr id="20" name="Image"/>
-          <p:cNvSpPr/>
+          <p:cNvSpPr>
+            <a:spLocks noGrp="1"/>
+          </p:cNvSpPr>
           <p:nvPr>
             <p:ph type="pic" idx="13"/>
           </p:nvPr>
@@ -959,14 +993,16 @@
           </a:bodyPr>
           <a:lstStyle/>
           <a:p>
-            <a:pPr/>
+            <a:endParaRPr/>
           </a:p>
         </p:txBody>
       </p:sp>
       <p:sp>
         <p:nvSpPr>
           <p:cNvPr id="21" name="Title Text"/>
-          <p:cNvSpPr txBox="1"/>
+          <p:cNvSpPr txBox="1">
+            <a:spLocks noGrp="1"/>
+          </p:cNvSpPr>
           <p:nvPr>
             <p:ph type="title"/>
           </p:nvPr>
@@ -984,7 +1020,6 @@
           <a:bodyPr/>
           <a:lstStyle/>
           <a:p>
-            <a:pPr/>
             <a:r>
               <a:t>Title Text</a:t>
             </a:r>
@@ -994,7 +1029,9 @@
       <p:sp>
         <p:nvSpPr>
           <p:cNvPr id="22" name="Body Level One…"/>
-          <p:cNvSpPr txBox="1"/>
+          <p:cNvSpPr txBox="1">
+            <a:spLocks noGrp="1"/>
+          </p:cNvSpPr>
           <p:nvPr>
             <p:ph type="body" sz="quarter" idx="1"/>
           </p:nvPr>
@@ -1053,7 +1090,6 @@
             </a:lvl5pPr>
           </a:lstStyle>
           <a:p>
-            <a:pPr/>
             <a:r>
               <a:t>Body Level One</a:t>
             </a:r>
@@ -1087,7 +1123,9 @@
       <p:sp>
         <p:nvSpPr>
           <p:cNvPr id="23" name="Slide Number"/>
-          <p:cNvSpPr txBox="1"/>
+          <p:cNvSpPr txBox="1">
+            <a:spLocks noGrp="1"/>
+          </p:cNvSpPr>
           <p:nvPr>
             <p:ph type="sldNum" sz="quarter" idx="2"/>
           </p:nvPr>
@@ -1101,8 +1139,10 @@
           <a:bodyPr/>
           <a:lstStyle/>
           <a:p>
-            <a:pPr/>
-            <a:fld id="{86CB4B4D-7CA3-9044-876B-883B54F8677D}" type="slidenum"/>
+            <a:fld id="{86CB4B4D-7CA3-9044-876B-883B54F8677D}" type="slidenum">
+              <a:t>‹#›</a:t>
+            </a:fld>
+            <a:endParaRPr/>
           </a:p>
         </p:txBody>
       </p:sp>
@@ -1111,12 +1151,12 @@
   <p:clrMapOvr>
     <a:masterClrMapping/>
   </p:clrMapOvr>
-  <p:transition xmlns:p14="http://schemas.microsoft.com/office/powerpoint/2010/main" spd="med" advClick="1"/>
+  <p:transition spd="med"/>
 </p:sldLayout>
 </file>
 
 <file path=ppt/slideLayouts/slideLayout3.xml><?xml version="1.0" encoding="utf-8"?>
-<p:sldLayout xmlns:a="http://schemas.openxmlformats.org/drawingml/2006/main" xmlns:r="http://schemas.openxmlformats.org/officeDocument/2006/relationships" xmlns:p="http://schemas.openxmlformats.org/presentationml/2006/main" type="tx" showMasterSp="1" showMasterPhAnim="1">
+<p:sldLayout xmlns:a="http://schemas.openxmlformats.org/drawingml/2006/main" xmlns:r="http://schemas.openxmlformats.org/officeDocument/2006/relationships" xmlns:p="http://schemas.openxmlformats.org/presentationml/2006/main" type="tx">
   <p:cSld name="Title - Center">
     <p:spTree>
       <p:nvGrpSpPr>
@@ -1135,7 +1175,9 @@
       <p:sp>
         <p:nvSpPr>
           <p:cNvPr id="30" name="Title Text"/>
-          <p:cNvSpPr txBox="1"/>
+          <p:cNvSpPr txBox="1">
+            <a:spLocks noGrp="1"/>
+          </p:cNvSpPr>
           <p:nvPr>
             <p:ph type="title"/>
           </p:nvPr>
@@ -1153,7 +1195,6 @@
           <a:bodyPr/>
           <a:lstStyle/>
           <a:p>
-            <a:pPr/>
             <a:r>
               <a:t>Title Text</a:t>
             </a:r>
@@ -1163,7 +1204,9 @@
       <p:sp>
         <p:nvSpPr>
           <p:cNvPr id="31" name="Slide Number"/>
-          <p:cNvSpPr txBox="1"/>
+          <p:cNvSpPr txBox="1">
+            <a:spLocks noGrp="1"/>
+          </p:cNvSpPr>
           <p:nvPr>
             <p:ph type="sldNum" sz="quarter" idx="2"/>
           </p:nvPr>
@@ -1177,8 +1220,10 @@
           <a:bodyPr/>
           <a:lstStyle/>
           <a:p>
-            <a:pPr/>
-            <a:fld id="{86CB4B4D-7CA3-9044-876B-883B54F8677D}" type="slidenum"/>
+            <a:fld id="{86CB4B4D-7CA3-9044-876B-883B54F8677D}" type="slidenum">
+              <a:t>‹#›</a:t>
+            </a:fld>
+            <a:endParaRPr/>
           </a:p>
         </p:txBody>
       </p:sp>
@@ -1187,12 +1232,12 @@
   <p:clrMapOvr>
     <a:masterClrMapping/>
   </p:clrMapOvr>
-  <p:transition xmlns:p14="http://schemas.microsoft.com/office/powerpoint/2010/main" spd="med" advClick="1"/>
+  <p:transition spd="med"/>
 </p:sldLayout>
 </file>
 
 <file path=ppt/slideLayouts/slideLayout4.xml><?xml version="1.0" encoding="utf-8"?>
-<p:sldLayout xmlns:a="http://schemas.openxmlformats.org/drawingml/2006/main" xmlns:r="http://schemas.openxmlformats.org/officeDocument/2006/relationships" xmlns:p="http://schemas.openxmlformats.org/presentationml/2006/main" type="tx" showMasterSp="1" showMasterPhAnim="1">
+<p:sldLayout xmlns:a="http://schemas.openxmlformats.org/drawingml/2006/main" xmlns:r="http://schemas.openxmlformats.org/officeDocument/2006/relationships" xmlns:p="http://schemas.openxmlformats.org/presentationml/2006/main" type="tx">
   <p:cSld name="Photo - Vertical">
     <p:spTree>
       <p:nvGrpSpPr>
@@ -1211,7 +1256,9 @@
       <p:sp>
         <p:nvSpPr>
           <p:cNvPr id="38" name="Image"/>
-          <p:cNvSpPr/>
+          <p:cNvSpPr>
+            <a:spLocks noGrp="1"/>
+          </p:cNvSpPr>
           <p:nvPr>
             <p:ph type="pic" sz="half" idx="13"/>
           </p:nvPr>
@@ -1231,14 +1278,16 @@
           </a:bodyPr>
           <a:lstStyle/>
           <a:p>
-            <a:pPr/>
+            <a:endParaRPr/>
           </a:p>
         </p:txBody>
       </p:sp>
       <p:sp>
         <p:nvSpPr>
           <p:cNvPr id="39" name="Title Text"/>
-          <p:cNvSpPr txBox="1"/>
+          <p:cNvSpPr txBox="1">
+            <a:spLocks noGrp="1"/>
+          </p:cNvSpPr>
           <p:nvPr>
             <p:ph type="title"/>
           </p:nvPr>
@@ -1260,7 +1309,6 @@
             </a:lvl1pPr>
           </a:lstStyle>
           <a:p>
-            <a:pPr/>
             <a:r>
               <a:t>Title Text</a:t>
             </a:r>
@@ -1270,7 +1318,9 @@
       <p:sp>
         <p:nvSpPr>
           <p:cNvPr id="40" name="Body Level One…"/>
-          <p:cNvSpPr txBox="1"/>
+          <p:cNvSpPr txBox="1">
+            <a:spLocks noGrp="1"/>
+          </p:cNvSpPr>
           <p:nvPr>
             <p:ph type="body" sz="quarter" idx="1"/>
           </p:nvPr>
@@ -1329,7 +1379,6 @@
             </a:lvl5pPr>
           </a:lstStyle>
           <a:p>
-            <a:pPr/>
             <a:r>
               <a:t>Body Level One</a:t>
             </a:r>
@@ -1363,7 +1412,9 @@
       <p:sp>
         <p:nvSpPr>
           <p:cNvPr id="41" name="Slide Number"/>
-          <p:cNvSpPr txBox="1"/>
+          <p:cNvSpPr txBox="1">
+            <a:spLocks noGrp="1"/>
+          </p:cNvSpPr>
           <p:nvPr>
             <p:ph type="sldNum" sz="quarter" idx="2"/>
           </p:nvPr>
@@ -1377,8 +1428,10 @@
           <a:bodyPr/>
           <a:lstStyle/>
           <a:p>
-            <a:pPr/>
-            <a:fld id="{86CB4B4D-7CA3-9044-876B-883B54F8677D}" type="slidenum"/>
+            <a:fld id="{86CB4B4D-7CA3-9044-876B-883B54F8677D}" type="slidenum">
+              <a:t>‹#›</a:t>
+            </a:fld>
+            <a:endParaRPr/>
           </a:p>
         </p:txBody>
       </p:sp>
@@ -1387,12 +1440,12 @@
   <p:clrMapOvr>
     <a:masterClrMapping/>
   </p:clrMapOvr>
-  <p:transition xmlns:p14="http://schemas.microsoft.com/office/powerpoint/2010/main" spd="med" advClick="1"/>
+  <p:transition spd="med"/>
 </p:sldLayout>
 </file>
 
 <file path=ppt/slideLayouts/slideLayout5.xml><?xml version="1.0" encoding="utf-8"?>
-<p:sldLayout xmlns:a="http://schemas.openxmlformats.org/drawingml/2006/main" xmlns:r="http://schemas.openxmlformats.org/officeDocument/2006/relationships" xmlns:p="http://schemas.openxmlformats.org/presentationml/2006/main" type="tx" showMasterSp="1" showMasterPhAnim="1">
+<p:sldLayout xmlns:a="http://schemas.openxmlformats.org/drawingml/2006/main" xmlns:r="http://schemas.openxmlformats.org/officeDocument/2006/relationships" xmlns:p="http://schemas.openxmlformats.org/presentationml/2006/main" type="tx">
   <p:cSld name="Title - Top">
     <p:spTree>
       <p:nvGrpSpPr>
@@ -1411,7 +1464,9 @@
       <p:sp>
         <p:nvSpPr>
           <p:cNvPr id="48" name="Title Text"/>
-          <p:cNvSpPr txBox="1"/>
+          <p:cNvSpPr txBox="1">
+            <a:spLocks noGrp="1"/>
+          </p:cNvSpPr>
           <p:nvPr>
             <p:ph type="title"/>
           </p:nvPr>
@@ -1425,7 +1480,6 @@
           <a:bodyPr/>
           <a:lstStyle/>
           <a:p>
-            <a:pPr/>
             <a:r>
               <a:t>Title Text</a:t>
             </a:r>
@@ -1435,7 +1489,9 @@
       <p:sp>
         <p:nvSpPr>
           <p:cNvPr id="49" name="Slide Number"/>
-          <p:cNvSpPr txBox="1"/>
+          <p:cNvSpPr txBox="1">
+            <a:spLocks noGrp="1"/>
+          </p:cNvSpPr>
           <p:nvPr>
             <p:ph type="sldNum" sz="quarter" idx="2"/>
           </p:nvPr>
@@ -1449,8 +1505,10 @@
           <a:bodyPr/>
           <a:lstStyle/>
           <a:p>
-            <a:pPr/>
-            <a:fld id="{86CB4B4D-7CA3-9044-876B-883B54F8677D}" type="slidenum"/>
+            <a:fld id="{86CB4B4D-7CA3-9044-876B-883B54F8677D}" type="slidenum">
+              <a:t>‹#›</a:t>
+            </a:fld>
+            <a:endParaRPr/>
           </a:p>
         </p:txBody>
       </p:sp>
@@ -1459,12 +1517,12 @@
   <p:clrMapOvr>
     <a:masterClrMapping/>
   </p:clrMapOvr>
-  <p:transition xmlns:p14="http://schemas.microsoft.com/office/powerpoint/2010/main" spd="med" advClick="1"/>
+  <p:transition spd="med"/>
 </p:sldLayout>
 </file>
 
 <file path=ppt/slideLayouts/slideLayout6.xml><?xml version="1.0" encoding="utf-8"?>
-<p:sldLayout xmlns:a="http://schemas.openxmlformats.org/drawingml/2006/main" xmlns:r="http://schemas.openxmlformats.org/officeDocument/2006/relationships" xmlns:p="http://schemas.openxmlformats.org/presentationml/2006/main" type="tx" showMasterSp="1" showMasterPhAnim="1">
+<p:sldLayout xmlns:a="http://schemas.openxmlformats.org/drawingml/2006/main" xmlns:r="http://schemas.openxmlformats.org/officeDocument/2006/relationships" xmlns:p="http://schemas.openxmlformats.org/presentationml/2006/main" type="tx">
   <p:cSld name="Title &amp; Bullets">
     <p:spTree>
       <p:nvGrpSpPr>
@@ -1483,7 +1541,9 @@
       <p:sp>
         <p:nvSpPr>
           <p:cNvPr id="56" name="Title Text"/>
-          <p:cNvSpPr txBox="1"/>
+          <p:cNvSpPr txBox="1">
+            <a:spLocks noGrp="1"/>
+          </p:cNvSpPr>
           <p:nvPr>
             <p:ph type="title"/>
           </p:nvPr>
@@ -1497,7 +1557,6 @@
           <a:bodyPr/>
           <a:lstStyle/>
           <a:p>
-            <a:pPr/>
             <a:r>
               <a:t>Title Text</a:t>
             </a:r>
@@ -1507,7 +1566,9 @@
       <p:sp>
         <p:nvSpPr>
           <p:cNvPr id="57" name="Body Level One…"/>
-          <p:cNvSpPr txBox="1"/>
+          <p:cNvSpPr txBox="1">
+            <a:spLocks noGrp="1"/>
+          </p:cNvSpPr>
           <p:nvPr>
             <p:ph type="body" idx="1"/>
           </p:nvPr>
@@ -1521,7 +1582,6 @@
           <a:bodyPr/>
           <a:lstStyle/>
           <a:p>
-            <a:pPr/>
             <a:r>
               <a:t>Body Level One</a:t>
             </a:r>
@@ -1555,7 +1615,9 @@
       <p:sp>
         <p:nvSpPr>
           <p:cNvPr id="58" name="Slide Number"/>
-          <p:cNvSpPr txBox="1"/>
+          <p:cNvSpPr txBox="1">
+            <a:spLocks noGrp="1"/>
+          </p:cNvSpPr>
           <p:nvPr>
             <p:ph type="sldNum" sz="quarter" idx="2"/>
           </p:nvPr>
@@ -1569,8 +1631,10 @@
           <a:bodyPr/>
           <a:lstStyle/>
           <a:p>
-            <a:pPr/>
-            <a:fld id="{86CB4B4D-7CA3-9044-876B-883B54F8677D}" type="slidenum"/>
+            <a:fld id="{86CB4B4D-7CA3-9044-876B-883B54F8677D}" type="slidenum">
+              <a:t>‹#›</a:t>
+            </a:fld>
+            <a:endParaRPr/>
           </a:p>
         </p:txBody>
       </p:sp>
@@ -1579,12 +1643,12 @@
   <p:clrMapOvr>
     <a:masterClrMapping/>
   </p:clrMapOvr>
-  <p:transition xmlns:p14="http://schemas.microsoft.com/office/powerpoint/2010/main" spd="med" advClick="1"/>
+  <p:transition spd="med"/>
 </p:sldLayout>
 </file>
 
 <file path=ppt/slideLayouts/slideLayout7.xml><?xml version="1.0" encoding="utf-8"?>
-<p:sldLayout xmlns:a="http://schemas.openxmlformats.org/drawingml/2006/main" xmlns:r="http://schemas.openxmlformats.org/officeDocument/2006/relationships" xmlns:p="http://schemas.openxmlformats.org/presentationml/2006/main" type="tx" showMasterSp="1" showMasterPhAnim="1">
+<p:sldLayout xmlns:a="http://schemas.openxmlformats.org/drawingml/2006/main" xmlns:r="http://schemas.openxmlformats.org/officeDocument/2006/relationships" xmlns:p="http://schemas.openxmlformats.org/presentationml/2006/main" type="tx">
   <p:cSld name="Title, Bullets &amp; Photo">
     <p:spTree>
       <p:nvGrpSpPr>
@@ -1603,7 +1667,9 @@
       <p:sp>
         <p:nvSpPr>
           <p:cNvPr id="65" name="Image"/>
-          <p:cNvSpPr/>
+          <p:cNvSpPr>
+            <a:spLocks noGrp="1"/>
+          </p:cNvSpPr>
           <p:nvPr>
             <p:ph type="pic" sz="half" idx="13"/>
           </p:nvPr>
@@ -1623,14 +1689,16 @@
           </a:bodyPr>
           <a:lstStyle/>
           <a:p>
-            <a:pPr/>
+            <a:endParaRPr/>
           </a:p>
         </p:txBody>
       </p:sp>
       <p:sp>
         <p:nvSpPr>
           <p:cNvPr id="66" name="Title Text"/>
-          <p:cNvSpPr txBox="1"/>
+          <p:cNvSpPr txBox="1">
+            <a:spLocks noGrp="1"/>
+          </p:cNvSpPr>
           <p:nvPr>
             <p:ph type="title"/>
           </p:nvPr>
@@ -1644,7 +1712,6 @@
           <a:bodyPr/>
           <a:lstStyle/>
           <a:p>
-            <a:pPr/>
             <a:r>
               <a:t>Title Text</a:t>
             </a:r>
@@ -1654,7 +1721,9 @@
       <p:sp>
         <p:nvSpPr>
           <p:cNvPr id="67" name="Body Level One…"/>
-          <p:cNvSpPr txBox="1"/>
+          <p:cNvSpPr txBox="1">
+            <a:spLocks noGrp="1"/>
+          </p:cNvSpPr>
           <p:nvPr>
             <p:ph type="body" sz="half" idx="1"/>
           </p:nvPr>
@@ -1703,7 +1772,6 @@
             </a:lvl5pPr>
           </a:lstStyle>
           <a:p>
-            <a:pPr/>
             <a:r>
               <a:t>Body Level One</a:t>
             </a:r>
@@ -1737,7 +1805,9 @@
       <p:sp>
         <p:nvSpPr>
           <p:cNvPr id="68" name="Slide Number"/>
-          <p:cNvSpPr txBox="1"/>
+          <p:cNvSpPr txBox="1">
+            <a:spLocks noGrp="1"/>
+          </p:cNvSpPr>
           <p:nvPr>
             <p:ph type="sldNum" sz="quarter" idx="2"/>
           </p:nvPr>
@@ -1751,8 +1821,10 @@
           <a:bodyPr/>
           <a:lstStyle/>
           <a:p>
-            <a:pPr/>
-            <a:fld id="{86CB4B4D-7CA3-9044-876B-883B54F8677D}" type="slidenum"/>
+            <a:fld id="{86CB4B4D-7CA3-9044-876B-883B54F8677D}" type="slidenum">
+              <a:t>‹#›</a:t>
+            </a:fld>
+            <a:endParaRPr/>
           </a:p>
         </p:txBody>
       </p:sp>
@@ -1761,12 +1833,12 @@
   <p:clrMapOvr>
     <a:masterClrMapping/>
   </p:clrMapOvr>
-  <p:transition xmlns:p14="http://schemas.microsoft.com/office/powerpoint/2010/main" spd="med" advClick="1"/>
+  <p:transition spd="med"/>
 </p:sldLayout>
 </file>
 
 <file path=ppt/slideLayouts/slideLayout8.xml><?xml version="1.0" encoding="utf-8"?>
-<p:sldLayout xmlns:a="http://schemas.openxmlformats.org/drawingml/2006/main" xmlns:r="http://schemas.openxmlformats.org/officeDocument/2006/relationships" xmlns:p="http://schemas.openxmlformats.org/presentationml/2006/main" type="tx" showMasterSp="1" showMasterPhAnim="1">
+<p:sldLayout xmlns:a="http://schemas.openxmlformats.org/drawingml/2006/main" xmlns:r="http://schemas.openxmlformats.org/officeDocument/2006/relationships" xmlns:p="http://schemas.openxmlformats.org/presentationml/2006/main" type="tx">
   <p:cSld name="Bullets">
     <p:spTree>
       <p:nvGrpSpPr>
@@ -1785,7 +1857,9 @@
       <p:sp>
         <p:nvSpPr>
           <p:cNvPr id="75" name="Body Level One…"/>
-          <p:cNvSpPr txBox="1"/>
+          <p:cNvSpPr txBox="1">
+            <a:spLocks noGrp="1"/>
+          </p:cNvSpPr>
           <p:nvPr>
             <p:ph type="body" idx="1"/>
           </p:nvPr>
@@ -1803,7 +1877,6 @@
           <a:bodyPr/>
           <a:lstStyle/>
           <a:p>
-            <a:pPr/>
             <a:r>
               <a:t>Body Level One</a:t>
             </a:r>
@@ -1837,7 +1910,9 @@
       <p:sp>
         <p:nvSpPr>
           <p:cNvPr id="76" name="Slide Number"/>
-          <p:cNvSpPr txBox="1"/>
+          <p:cNvSpPr txBox="1">
+            <a:spLocks noGrp="1"/>
+          </p:cNvSpPr>
           <p:nvPr>
             <p:ph type="sldNum" sz="quarter" idx="2"/>
           </p:nvPr>
@@ -1851,8 +1926,10 @@
           <a:bodyPr/>
           <a:lstStyle/>
           <a:p>
-            <a:pPr/>
-            <a:fld id="{86CB4B4D-7CA3-9044-876B-883B54F8677D}" type="slidenum"/>
+            <a:fld id="{86CB4B4D-7CA3-9044-876B-883B54F8677D}" type="slidenum">
+              <a:t>‹#›</a:t>
+            </a:fld>
+            <a:endParaRPr/>
           </a:p>
         </p:txBody>
       </p:sp>
@@ -1861,12 +1938,12 @@
   <p:clrMapOvr>
     <a:masterClrMapping/>
   </p:clrMapOvr>
-  <p:transition xmlns:p14="http://schemas.microsoft.com/office/powerpoint/2010/main" spd="med" advClick="1"/>
+  <p:transition spd="med"/>
 </p:sldLayout>
 </file>
 
 <file path=ppt/slideLayouts/slideLayout9.xml><?xml version="1.0" encoding="utf-8"?>
-<p:sldLayout xmlns:a="http://schemas.openxmlformats.org/drawingml/2006/main" xmlns:r="http://schemas.openxmlformats.org/officeDocument/2006/relationships" xmlns:p="http://schemas.openxmlformats.org/presentationml/2006/main" type="tx" showMasterSp="1" showMasterPhAnim="1">
+<p:sldLayout xmlns:a="http://schemas.openxmlformats.org/drawingml/2006/main" xmlns:r="http://schemas.openxmlformats.org/officeDocument/2006/relationships" xmlns:p="http://schemas.openxmlformats.org/presentationml/2006/main" type="tx">
   <p:cSld name="Photo - 3 Up">
     <p:spTree>
       <p:nvGrpSpPr>
@@ -1885,7 +1962,9 @@
       <p:sp>
         <p:nvSpPr>
           <p:cNvPr id="83" name="Image"/>
-          <p:cNvSpPr/>
+          <p:cNvSpPr>
+            <a:spLocks noGrp="1"/>
+          </p:cNvSpPr>
           <p:nvPr>
             <p:ph type="pic" sz="quarter" idx="13"/>
           </p:nvPr>
@@ -1905,14 +1984,16 @@
           </a:bodyPr>
           <a:lstStyle/>
           <a:p>
-            <a:pPr/>
+            <a:endParaRPr/>
           </a:p>
         </p:txBody>
       </p:sp>
       <p:sp>
         <p:nvSpPr>
           <p:cNvPr id="84" name="Image"/>
-          <p:cNvSpPr/>
+          <p:cNvSpPr>
+            <a:spLocks noGrp="1"/>
+          </p:cNvSpPr>
           <p:nvPr>
             <p:ph type="pic" sz="quarter" idx="14"/>
           </p:nvPr>
@@ -1932,14 +2013,16 @@
           </a:bodyPr>
           <a:lstStyle/>
           <a:p>
-            <a:pPr/>
+            <a:endParaRPr/>
           </a:p>
         </p:txBody>
       </p:sp>
       <p:sp>
         <p:nvSpPr>
           <p:cNvPr id="85" name="Image"/>
-          <p:cNvSpPr/>
+          <p:cNvSpPr>
+            <a:spLocks noGrp="1"/>
+          </p:cNvSpPr>
           <p:nvPr>
             <p:ph type="pic" sz="half" idx="15"/>
           </p:nvPr>
@@ -1959,14 +2042,16 @@
           </a:bodyPr>
           <a:lstStyle/>
           <a:p>
-            <a:pPr/>
+            <a:endParaRPr/>
           </a:p>
         </p:txBody>
       </p:sp>
       <p:sp>
         <p:nvSpPr>
           <p:cNvPr id="86" name="Slide Number"/>
-          <p:cNvSpPr txBox="1"/>
+          <p:cNvSpPr txBox="1">
+            <a:spLocks noGrp="1"/>
+          </p:cNvSpPr>
           <p:nvPr>
             <p:ph type="sldNum" sz="quarter" idx="2"/>
           </p:nvPr>
@@ -1980,8 +2065,10 @@
           <a:bodyPr/>
           <a:lstStyle/>
           <a:p>
-            <a:pPr/>
-            <a:fld id="{86CB4B4D-7CA3-9044-876B-883B54F8677D}" type="slidenum"/>
+            <a:fld id="{86CB4B4D-7CA3-9044-876B-883B54F8677D}" type="slidenum">
+              <a:t>‹#›</a:t>
+            </a:fld>
+            <a:endParaRPr/>
           </a:p>
         </p:txBody>
       </p:sp>
@@ -1990,7 +2077,7 @@
   <p:clrMapOvr>
     <a:masterClrMapping/>
   </p:clrMapOvr>
-  <p:transition xmlns:p14="http://schemas.microsoft.com/office/powerpoint/2010/main" spd="med" advClick="1"/>
+  <p:transition spd="med"/>
 </p:sldLayout>
 </file>
 
@@ -2002,6 +2089,7 @@
         <a:solidFill>
           <a:srgbClr val="000000"/>
         </a:solidFill>
+        <a:effectLst/>
       </p:bgPr>
     </p:bg>
     <p:spTree>
@@ -2021,7 +2109,9 @@
       <p:sp>
         <p:nvSpPr>
           <p:cNvPr id="2" name="Title Text"/>
-          <p:cNvSpPr txBox="1"/>
+          <p:cNvSpPr txBox="1">
+            <a:spLocks noGrp="1"/>
+          </p:cNvSpPr>
           <p:nvPr>
             <p:ph type="title"/>
           </p:nvPr>
@@ -2039,17 +2129,16 @@
           </a:ln>
           <a:extLst>
             <a:ext uri="{C572A759-6A51-4108-AA02-DFA0A04FC94B}">
-              <ma14:wrappingTextBoxFlag xmlns:ma14="http://schemas.microsoft.com/office/mac/drawingml/2011/main" val="1"/>
+              <ma14:wrappingTextBoxFlag xmlns="" xmlns:ma14="http://schemas.microsoft.com/office/mac/drawingml/2011/main" val="1"/>
             </a:ext>
           </a:extLst>
         </p:spPr>
         <p:txBody>
           <a:bodyPr lIns="50800" tIns="50800" rIns="50800" bIns="50800" anchor="ctr">
-            <a:normAutofit fontScale="100000" lnSpcReduction="0"/>
+            <a:normAutofit/>
           </a:bodyPr>
           <a:lstStyle/>
           <a:p>
-            <a:pPr/>
             <a:r>
               <a:t>Title Text</a:t>
             </a:r>
@@ -2059,7 +2148,9 @@
       <p:sp>
         <p:nvSpPr>
           <p:cNvPr id="3" name="Body Level One…"/>
-          <p:cNvSpPr txBox="1"/>
+          <p:cNvSpPr txBox="1">
+            <a:spLocks noGrp="1"/>
+          </p:cNvSpPr>
           <p:nvPr>
             <p:ph type="body" idx="1"/>
           </p:nvPr>
@@ -2077,17 +2168,16 @@
           </a:ln>
           <a:extLst>
             <a:ext uri="{C572A759-6A51-4108-AA02-DFA0A04FC94B}">
-              <ma14:wrappingTextBoxFlag xmlns:ma14="http://schemas.microsoft.com/office/mac/drawingml/2011/main" val="1"/>
+              <ma14:wrappingTextBoxFlag xmlns="" xmlns:ma14="http://schemas.microsoft.com/office/mac/drawingml/2011/main" val="1"/>
             </a:ext>
           </a:extLst>
         </p:spPr>
         <p:txBody>
           <a:bodyPr lIns="50800" tIns="50800" rIns="50800" bIns="50800" anchor="ctr">
-            <a:normAutofit fontScale="100000" lnSpcReduction="0"/>
+            <a:normAutofit/>
           </a:bodyPr>
           <a:lstStyle/>
           <a:p>
-            <a:pPr/>
             <a:r>
               <a:t>Body Level One</a:t>
             </a:r>
@@ -2121,7 +2211,9 @@
       <p:sp>
         <p:nvSpPr>
           <p:cNvPr id="4" name="Slide Number"/>
-          <p:cNvSpPr txBox="1"/>
+          <p:cNvSpPr txBox="1">
+            <a:spLocks noGrp="1"/>
+          </p:cNvSpPr>
           <p:nvPr>
             <p:ph type="sldNum" sz="quarter" idx="2"/>
           </p:nvPr>
@@ -2148,8 +2240,10 @@
             </a:lvl1pPr>
           </a:lstStyle>
           <a:p>
-            <a:pPr/>
-            <a:fld id="{86CB4B4D-7CA3-9044-876B-883B54F8677D}" type="slidenum"/>
+            <a:fld id="{86CB4B4D-7CA3-9044-876B-883B54F8677D}" type="slidenum">
+              <a:t>‹#›</a:t>
+            </a:fld>
+            <a:endParaRPr/>
           </a:p>
         </p:txBody>
       </p:sp>
@@ -2157,20 +2251,20 @@
   </p:cSld>
   <p:clrMap bg1="dk1" tx1="lt1" bg2="dk2" tx2="lt2" accent1="accent1" accent2="accent2" accent3="accent3" accent4="accent4" accent5="accent5" accent6="accent6" hlink="hlink" folHlink="folHlink"/>
   <p:sldLayoutIdLst>
-    <p:sldLayoutId id="2147483649" r:id="rId2"/>
-    <p:sldLayoutId id="2147483650" r:id="rId3"/>
-    <p:sldLayoutId id="2147483651" r:id="rId4"/>
-    <p:sldLayoutId id="2147483652" r:id="rId5"/>
-    <p:sldLayoutId id="2147483653" r:id="rId6"/>
-    <p:sldLayoutId id="2147483654" r:id="rId7"/>
-    <p:sldLayoutId id="2147483655" r:id="rId8"/>
-    <p:sldLayoutId id="2147483656" r:id="rId9"/>
-    <p:sldLayoutId id="2147483657" r:id="rId10"/>
-    <p:sldLayoutId id="2147483658" r:id="rId11"/>
-    <p:sldLayoutId id="2147483659" r:id="rId12"/>
-    <p:sldLayoutId id="2147483660" r:id="rId13"/>
+    <p:sldLayoutId id="2147483649" r:id="rId1"/>
+    <p:sldLayoutId id="2147483650" r:id="rId2"/>
+    <p:sldLayoutId id="2147483651" r:id="rId3"/>
+    <p:sldLayoutId id="2147483652" r:id="rId4"/>
+    <p:sldLayoutId id="2147483653" r:id="rId5"/>
+    <p:sldLayoutId id="2147483654" r:id="rId6"/>
+    <p:sldLayoutId id="2147483655" r:id="rId7"/>
+    <p:sldLayoutId id="2147483656" r:id="rId8"/>
+    <p:sldLayoutId id="2147483657" r:id="rId9"/>
+    <p:sldLayoutId id="2147483658" r:id="rId10"/>
+    <p:sldLayoutId id="2147483659" r:id="rId11"/>
+    <p:sldLayoutId id="2147483660" r:id="rId12"/>
   </p:sldLayoutIdLst>
-  <p:transition xmlns:p14="http://schemas.microsoft.com/office/powerpoint/2010/main" spd="med" advClick="1"/>
+  <p:transition spd="med"/>
   <p:txStyles>
     <p:titleStyle>
       <a:lvl1pPr marL="0" marR="0" indent="0" algn="ctr" defTabSz="584200" rtl="0" latinLnBrk="0">
@@ -2188,7 +2282,7 @@
         <a:buFontTx/>
         <a:buNone/>
         <a:tabLst/>
-        <a:defRPr b="0" baseline="0" cap="none" i="0" spc="0" strike="noStrike" sz="8000" u="none">
+        <a:defRPr sz="8000" b="0" i="0" u="none" strike="noStrike" cap="none" spc="0" baseline="0">
           <a:ln>
             <a:noFill/>
           </a:ln>
@@ -2217,7 +2311,7 @@
         <a:buFontTx/>
         <a:buNone/>
         <a:tabLst/>
-        <a:defRPr b="0" baseline="0" cap="none" i="0" spc="0" strike="noStrike" sz="8000" u="none">
+        <a:defRPr sz="8000" b="0" i="0" u="none" strike="noStrike" cap="none" spc="0" baseline="0">
           <a:ln>
             <a:noFill/>
           </a:ln>
@@ -2246,7 +2340,7 @@
         <a:buFontTx/>
         <a:buNone/>
         <a:tabLst/>
-        <a:defRPr b="0" baseline="0" cap="none" i="0" spc="0" strike="noStrike" sz="8000" u="none">
+        <a:defRPr sz="8000" b="0" i="0" u="none" strike="noStrike" cap="none" spc="0" baseline="0">
           <a:ln>
             <a:noFill/>
           </a:ln>
@@ -2275,7 +2369,7 @@
         <a:buFontTx/>
         <a:buNone/>
         <a:tabLst/>
-        <a:defRPr b="0" baseline="0" cap="none" i="0" spc="0" strike="noStrike" sz="8000" u="none">
+        <a:defRPr sz="8000" b="0" i="0" u="none" strike="noStrike" cap="none" spc="0" baseline="0">
           <a:ln>
             <a:noFill/>
           </a:ln>
@@ -2304,7 +2398,7 @@
         <a:buFontTx/>
         <a:buNone/>
         <a:tabLst/>
-        <a:defRPr b="0" baseline="0" cap="none" i="0" spc="0" strike="noStrike" sz="8000" u="none">
+        <a:defRPr sz="8000" b="0" i="0" u="none" strike="noStrike" cap="none" spc="0" baseline="0">
           <a:ln>
             <a:noFill/>
           </a:ln>
@@ -2333,7 +2427,7 @@
         <a:buFontTx/>
         <a:buNone/>
         <a:tabLst/>
-        <a:defRPr b="0" baseline="0" cap="none" i="0" spc="0" strike="noStrike" sz="8000" u="none">
+        <a:defRPr sz="8000" b="0" i="0" u="none" strike="noStrike" cap="none" spc="0" baseline="0">
           <a:ln>
             <a:noFill/>
           </a:ln>
@@ -2362,7 +2456,7 @@
         <a:buFontTx/>
         <a:buNone/>
         <a:tabLst/>
-        <a:defRPr b="0" baseline="0" cap="none" i="0" spc="0" strike="noStrike" sz="8000" u="none">
+        <a:defRPr sz="8000" b="0" i="0" u="none" strike="noStrike" cap="none" spc="0" baseline="0">
           <a:ln>
             <a:noFill/>
           </a:ln>
@@ -2391,7 +2485,7 @@
         <a:buFontTx/>
         <a:buNone/>
         <a:tabLst/>
-        <a:defRPr b="0" baseline="0" cap="none" i="0" spc="0" strike="noStrike" sz="8000" u="none">
+        <a:defRPr sz="8000" b="0" i="0" u="none" strike="noStrike" cap="none" spc="0" baseline="0">
           <a:ln>
             <a:noFill/>
           </a:ln>
@@ -2420,7 +2514,7 @@
         <a:buFontTx/>
         <a:buNone/>
         <a:tabLst/>
-        <a:defRPr b="0" baseline="0" cap="none" i="0" spc="0" strike="noStrike" sz="8000" u="none">
+        <a:defRPr sz="8000" b="0" i="0" u="none" strike="noStrike" cap="none" spc="0" baseline="0">
           <a:ln>
             <a:noFill/>
           </a:ln>
@@ -2451,7 +2545,7 @@
         <a:buFontTx/>
         <a:buChar char="•"/>
         <a:tabLst/>
-        <a:defRPr b="0" baseline="0" cap="none" i="0" spc="0" strike="noStrike" sz="3800" u="none">
+        <a:defRPr sz="3800" b="0" i="0" u="none" strike="noStrike" cap="none" spc="0" baseline="0">
           <a:ln>
             <a:noFill/>
           </a:ln>
@@ -2480,7 +2574,7 @@
         <a:buFontTx/>
         <a:buChar char="•"/>
         <a:tabLst/>
-        <a:defRPr b="0" baseline="0" cap="none" i="0" spc="0" strike="noStrike" sz="3800" u="none">
+        <a:defRPr sz="3800" b="0" i="0" u="none" strike="noStrike" cap="none" spc="0" baseline="0">
           <a:ln>
             <a:noFill/>
           </a:ln>
@@ -2509,7 +2603,7 @@
         <a:buFontTx/>
         <a:buChar char="•"/>
         <a:tabLst/>
-        <a:defRPr b="0" baseline="0" cap="none" i="0" spc="0" strike="noStrike" sz="3800" u="none">
+        <a:defRPr sz="3800" b="0" i="0" u="none" strike="noStrike" cap="none" spc="0" baseline="0">
           <a:ln>
             <a:noFill/>
           </a:ln>
@@ -2538,7 +2632,7 @@
         <a:buFontTx/>
         <a:buChar char="•"/>
         <a:tabLst/>
-        <a:defRPr b="0" baseline="0" cap="none" i="0" spc="0" strike="noStrike" sz="3800" u="none">
+        <a:defRPr sz="3800" b="0" i="0" u="none" strike="noStrike" cap="none" spc="0" baseline="0">
           <a:ln>
             <a:noFill/>
           </a:ln>
@@ -2567,7 +2661,7 @@
         <a:buFontTx/>
         <a:buChar char="•"/>
         <a:tabLst/>
-        <a:defRPr b="0" baseline="0" cap="none" i="0" spc="0" strike="noStrike" sz="3800" u="none">
+        <a:defRPr sz="3800" b="0" i="0" u="none" strike="noStrike" cap="none" spc="0" baseline="0">
           <a:ln>
             <a:noFill/>
           </a:ln>
@@ -2596,7 +2690,7 @@
         <a:buFontTx/>
         <a:buChar char="•"/>
         <a:tabLst/>
-        <a:defRPr b="0" baseline="0" cap="none" i="0" spc="0" strike="noStrike" sz="3800" u="none">
+        <a:defRPr sz="3800" b="0" i="0" u="none" strike="noStrike" cap="none" spc="0" baseline="0">
           <a:ln>
             <a:noFill/>
           </a:ln>
@@ -2625,7 +2719,7 @@
         <a:buFontTx/>
         <a:buChar char="•"/>
         <a:tabLst/>
-        <a:defRPr b="0" baseline="0" cap="none" i="0" spc="0" strike="noStrike" sz="3800" u="none">
+        <a:defRPr sz="3800" b="0" i="0" u="none" strike="noStrike" cap="none" spc="0" baseline="0">
           <a:ln>
             <a:noFill/>
           </a:ln>
@@ -2654,7 +2748,7 @@
         <a:buFontTx/>
         <a:buChar char="•"/>
         <a:tabLst/>
-        <a:defRPr b="0" baseline="0" cap="none" i="0" spc="0" strike="noStrike" sz="3800" u="none">
+        <a:defRPr sz="3800" b="0" i="0" u="none" strike="noStrike" cap="none" spc="0" baseline="0">
           <a:ln>
             <a:noFill/>
           </a:ln>
@@ -2683,7 +2777,7 @@
         <a:buFontTx/>
         <a:buChar char="•"/>
         <a:tabLst/>
-        <a:defRPr b="0" baseline="0" cap="none" i="0" spc="0" strike="noStrike" sz="3800" u="none">
+        <a:defRPr sz="3800" b="0" i="0" u="none" strike="noStrike" cap="none" spc="0" baseline="0">
           <a:ln>
             <a:noFill/>
           </a:ln>
@@ -2714,7 +2808,7 @@
         <a:buFontTx/>
         <a:buNone/>
         <a:tabLst/>
-        <a:defRPr b="0" baseline="0" cap="none" i="0" spc="0" strike="noStrike" sz="1800" u="none">
+        <a:defRPr sz="1800" b="0" i="0" u="none" strike="noStrike" cap="none" spc="0" baseline="0">
           <a:ln>
             <a:noFill/>
           </a:ln>
@@ -2743,7 +2837,7 @@
         <a:buFontTx/>
         <a:buNone/>
         <a:tabLst/>
-        <a:defRPr b="0" baseline="0" cap="none" i="0" spc="0" strike="noStrike" sz="1800" u="none">
+        <a:defRPr sz="1800" b="0" i="0" u="none" strike="noStrike" cap="none" spc="0" baseline="0">
           <a:ln>
             <a:noFill/>
           </a:ln>
@@ -2772,7 +2866,7 @@
         <a:buFontTx/>
         <a:buNone/>
         <a:tabLst/>
-        <a:defRPr b="0" baseline="0" cap="none" i="0" spc="0" strike="noStrike" sz="1800" u="none">
+        <a:defRPr sz="1800" b="0" i="0" u="none" strike="noStrike" cap="none" spc="0" baseline="0">
           <a:ln>
             <a:noFill/>
           </a:ln>
@@ -2801,7 +2895,7 @@
         <a:buFontTx/>
         <a:buNone/>
         <a:tabLst/>
-        <a:defRPr b="0" baseline="0" cap="none" i="0" spc="0" strike="noStrike" sz="1800" u="none">
+        <a:defRPr sz="1800" b="0" i="0" u="none" strike="noStrike" cap="none" spc="0" baseline="0">
           <a:ln>
             <a:noFill/>
           </a:ln>
@@ -2830,7 +2924,7 @@
         <a:buFontTx/>
         <a:buNone/>
         <a:tabLst/>
-        <a:defRPr b="0" baseline="0" cap="none" i="0" spc="0" strike="noStrike" sz="1800" u="none">
+        <a:defRPr sz="1800" b="0" i="0" u="none" strike="noStrike" cap="none" spc="0" baseline="0">
           <a:ln>
             <a:noFill/>
           </a:ln>
@@ -2859,7 +2953,7 @@
         <a:buFontTx/>
         <a:buNone/>
         <a:tabLst/>
-        <a:defRPr b="0" baseline="0" cap="none" i="0" spc="0" strike="noStrike" sz="1800" u="none">
+        <a:defRPr sz="1800" b="0" i="0" u="none" strike="noStrike" cap="none" spc="0" baseline="0">
           <a:ln>
             <a:noFill/>
           </a:ln>
@@ -2888,7 +2982,7 @@
         <a:buFontTx/>
         <a:buNone/>
         <a:tabLst/>
-        <a:defRPr b="0" baseline="0" cap="none" i="0" spc="0" strike="noStrike" sz="1800" u="none">
+        <a:defRPr sz="1800" b="0" i="0" u="none" strike="noStrike" cap="none" spc="0" baseline="0">
           <a:ln>
             <a:noFill/>
           </a:ln>
@@ -2917,7 +3011,7 @@
         <a:buFontTx/>
         <a:buNone/>
         <a:tabLst/>
-        <a:defRPr b="0" baseline="0" cap="none" i="0" spc="0" strike="noStrike" sz="1800" u="none">
+        <a:defRPr sz="1800" b="0" i="0" u="none" strike="noStrike" cap="none" spc="0" baseline="0">
           <a:ln>
             <a:noFill/>
           </a:ln>
@@ -2946,7 +3040,7 @@
         <a:buFontTx/>
         <a:buNone/>
         <a:tabLst/>
-        <a:defRPr b="0" baseline="0" cap="none" i="0" spc="0" strike="noStrike" sz="1800" u="none">
+        <a:defRPr sz="1800" b="0" i="0" u="none" strike="noStrike" cap="none" spc="0" baseline="0">
           <a:ln>
             <a:noFill/>
           </a:ln>
@@ -2966,7 +3060,7 @@
 </file>
 
 <file path=ppt/slides/slide1.xml><?xml version="1.0" encoding="utf-8"?>
-<p:sld xmlns:a="http://schemas.openxmlformats.org/drawingml/2006/main" xmlns:r="http://schemas.openxmlformats.org/officeDocument/2006/relationships" xmlns:p="http://schemas.openxmlformats.org/presentationml/2006/main" showMasterSp="1" showMasterPhAnim="1">
+<p:sld xmlns:a="http://schemas.openxmlformats.org/drawingml/2006/main" xmlns:r="http://schemas.openxmlformats.org/officeDocument/2006/relationships" xmlns:p="http://schemas.openxmlformats.org/presentationml/2006/main">
   <p:cSld>
     <p:spTree>
       <p:nvGrpSpPr>
@@ -2990,8 +3084,8 @@
         </p:nvSpPr>
         <p:spPr>
           <a:xfrm>
-            <a:off x="61366" y="57149"/>
-            <a:ext cx="12882067" cy="9639301"/>
+            <a:off x="61366" y="670520"/>
+            <a:ext cx="12882067" cy="8412559"/>
           </a:xfrm>
           <a:prstGeom prst="rect">
             <a:avLst/>
@@ -3001,7 +3095,7 @@
           </a:ln>
           <a:extLst>
             <a:ext uri="{C572A759-6A51-4108-AA02-DFA0A04FC94B}">
-              <ma14:wrappingTextBoxFlag xmlns:ma14="http://schemas.microsoft.com/office/mac/drawingml/2011/main" val="1"/>
+              <ma14:wrappingTextBoxFlag xmlns="" xmlns:ma14="http://schemas.microsoft.com/office/mac/drawingml/2011/main" val="1"/>
             </a:ext>
           </a:extLst>
         </p:spPr>
@@ -3016,8 +3110,14 @@
               <a:buChar char="•"/>
             </a:pPr>
             <a:r>
-              <a:t>Mantrap: =air lock, physical security measure, 确保一个人一个人过</a:t>
-            </a:r>
+              <a:rPr dirty="0"/>
+              <a:t>Mantrap: =air lock, physical security measure, </a:t>
+            </a:r>
+            <a:r>
+              <a:rPr dirty="0" err="1"/>
+              <a:t>确保一个人一个人过</a:t>
+            </a:r>
+            <a:endParaRPr dirty="0"/>
           </a:p>
           <a:p>
             <a:pPr marL="421105" indent="-421105" algn="l">
@@ -3025,17 +3125,40 @@
               <a:buChar char="•"/>
             </a:pPr>
             <a:r>
-              <a:t>SSL(Secure Sockets Layer、別名：TLS) vs SSH(Secure Shell)</a:t>
-            </a:r>
-          </a:p>
-          <a:p>
-            <a:pPr lvl="1" marL="865605" indent="-421105" algn="l">
-              <a:buSzPct val="75000"/>
-              <a:buChar char="•"/>
-            </a:pPr>
-            <a:r>
-              <a:t>SSL involves 電子証明書, SSH 只是确保通信被加密</a:t>
-            </a:r>
+              <a:rPr dirty="0"/>
+              <a:t>SSL(Secure Sockets </a:t>
+            </a:r>
+            <a:r>
+              <a:rPr dirty="0" err="1"/>
+              <a:t>Layer、別名：TLS</a:t>
+            </a:r>
+            <a:r>
+              <a:rPr dirty="0"/>
+              <a:t>) vs SSH(Secure Shell)</a:t>
+            </a:r>
+          </a:p>
+          <a:p>
+            <a:pPr marL="865605" lvl="1" indent="-421105" algn="l">
+              <a:buSzPct val="75000"/>
+              <a:buChar char="•"/>
+            </a:pPr>
+            <a:r>
+              <a:rPr dirty="0"/>
+              <a:t>SSL involves </a:t>
+            </a:r>
+            <a:r>
+              <a:rPr dirty="0" err="1"/>
+              <a:t>電子証明書</a:t>
+            </a:r>
+            <a:r>
+              <a:rPr dirty="0"/>
+              <a:t>, SSH </a:t>
+            </a:r>
+            <a:r>
+              <a:rPr dirty="0" err="1"/>
+              <a:t>只是确保通信被加密</a:t>
+            </a:r>
+            <a:endParaRPr dirty="0"/>
           </a:p>
           <a:p>
             <a:pPr marL="421105" indent="-421105" algn="l">
@@ -3043,17 +3166,48 @@
               <a:buChar char="•"/>
             </a:pPr>
             <a:r>
-              <a:t>L2TP: Layer 2 Tunneling Protocol is a tunneling protocol used to support virtual private networks (VPNs) or as part of the delivery of services by ISPs. It does not provide any encryption or confidentiality by itself.</a:t>
-            </a:r>
-          </a:p>
-          <a:p>
-            <a:pPr lvl="1" marL="865605" indent="-421105" algn="l">
-              <a:buSzPct val="75000"/>
-              <a:buChar char="•"/>
-            </a:pPr>
-            <a:r>
-              <a:t>经常与IPSec（Internet Protocol Security）连用，IPSec负责通信加密</a:t>
-            </a:r>
+              <a:rPr dirty="0"/>
+              <a:t>L2TP: Layer 2 Tunneling Protocol is a tunneling protocol used to support virtual private networks (VPNs) or as part of the delivery of services by ISPs. It does </a:t>
+            </a:r>
+            <a:r>
+              <a:rPr lang="en-US" dirty="0" smtClean="0">
+                <a:solidFill>
+                  <a:srgbClr val="FF0000"/>
+                </a:solidFill>
+              </a:rPr>
+              <a:t>NOT</a:t>
+            </a:r>
+            <a:r>
+              <a:rPr lang="en-US" dirty="0" smtClean="0"/>
+              <a:t> </a:t>
+            </a:r>
+            <a:r>
+              <a:rPr dirty="0" smtClean="0"/>
+              <a:t>provide </a:t>
+            </a:r>
+            <a:r>
+              <a:rPr dirty="0"/>
+              <a:t>any encryption or confidentiality by itself.</a:t>
+            </a:r>
+          </a:p>
+          <a:p>
+            <a:pPr marL="865605" lvl="1" indent="-421105" algn="l">
+              <a:buSzPct val="75000"/>
+              <a:buChar char="•"/>
+            </a:pPr>
+            <a:r>
+              <a:rPr dirty="0" err="1"/>
+              <a:t>经常与IPSec（Internet</a:t>
+            </a:r>
+            <a:r>
+              <a:rPr dirty="0"/>
+              <a:t> Protocol </a:t>
+            </a:r>
+            <a:r>
+              <a:rPr dirty="0" err="1"/>
+              <a:t>Security）连用，IPSec负责通信加密</a:t>
+            </a:r>
+            <a:endParaRPr dirty="0"/>
           </a:p>
           <a:p>
             <a:pPr marL="421105" indent="-421105" algn="l">
@@ -3061,20 +3215,93 @@
               <a:buChar char="•"/>
             </a:pPr>
             <a:r>
-              <a:t>Escrow key 托管key，在</a:t>
-            </a:r>
-            <a:r>
-              <a:rPr i="1">
+              <a:rPr dirty="0"/>
+              <a:t>Escrow key </a:t>
+            </a:r>
+            <a:r>
+              <a:rPr dirty="0" err="1"/>
+              <a:t>托管</a:t>
+            </a:r>
+            <a:r>
+              <a:rPr dirty="0" err="1" smtClean="0"/>
+              <a:t>key</a:t>
+            </a:r>
+            <a:r>
+              <a:rPr lang="en-US" dirty="0" smtClean="0"/>
+              <a:t>,</a:t>
+            </a:r>
+            <a:r>
+              <a:rPr lang="zh-CN" altLang="en-US" dirty="0" smtClean="0"/>
+              <a:t>这个不知道是什么东西</a:t>
+            </a:r>
+            <a:r>
+              <a:rPr lang="en-US" altLang="zh-CN" dirty="0" smtClean="0"/>
+              <a:t>	</a:t>
+            </a:r>
+            <a:r>
+              <a:rPr lang="en-US" dirty="0" smtClean="0"/>
+              <a:t>(</a:t>
+            </a:r>
+            <a:r>
+              <a:rPr dirty="0" err="1" smtClean="0"/>
+              <a:t>在</a:t>
+            </a:r>
+            <a:r>
+              <a:rPr i="1" dirty="0" err="1">
                 <a:latin typeface="Helvetica"/>
                 <a:ea typeface="Helvetica"/>
                 <a:cs typeface="Helvetica"/>
                 <a:sym typeface="Helvetica"/>
               </a:rPr>
-              <a:t>key recovery process</a:t>
-            </a:r>
-            <a:r>
-              <a:t>中，此key必须可以被找回</a:t>
-            </a:r>
+              <a:t>key</a:t>
+            </a:r>
+            <a:r>
+              <a:rPr i="1" dirty="0">
+                <a:latin typeface="Helvetica"/>
+                <a:ea typeface="Helvetica"/>
+                <a:cs typeface="Helvetica"/>
+                <a:sym typeface="Helvetica"/>
+              </a:rPr>
+              <a:t> recovery </a:t>
+            </a:r>
+            <a:r>
+              <a:rPr i="1" dirty="0" err="1">
+                <a:latin typeface="Helvetica"/>
+                <a:ea typeface="Helvetica"/>
+                <a:cs typeface="Helvetica"/>
+                <a:sym typeface="Helvetica"/>
+              </a:rPr>
+              <a:t>process</a:t>
+            </a:r>
+            <a:r>
+              <a:rPr dirty="0" err="1"/>
+              <a:t>中</a:t>
+            </a:r>
+            <a:r>
+              <a:rPr dirty="0" err="1" smtClean="0"/>
+              <a:t>，</a:t>
+            </a:r>
+            <a:r>
+              <a:rPr lang="en-US" u="sng" dirty="0" err="1" smtClean="0"/>
+              <a:t>previous</a:t>
+            </a:r>
+            <a:r>
+              <a:rPr lang="en-US" u="sng" dirty="0" smtClean="0"/>
+              <a:t> </a:t>
+            </a:r>
+            <a:r>
+              <a:rPr lang="en-US" u="sng" dirty="0" err="1" smtClean="0"/>
+              <a:t>key</a:t>
+            </a:r>
+            <a:r>
+              <a:rPr dirty="0" err="1" smtClean="0"/>
+              <a:t>必须可以被找回</a:t>
+            </a:r>
+            <a:r>
+              <a:rPr lang="en-US" dirty="0" smtClean="0"/>
+              <a:t>)</a:t>
+            </a:r>
+            <a:endParaRPr dirty="0"/>
           </a:p>
           <a:p>
             <a:pPr marL="421105" indent="-421105" algn="l">
@@ -3082,29 +3309,29 @@
               <a:buChar char="•"/>
             </a:pPr>
             <a:r>
-              <a:t>OCSP（Online Certificate Status Protocol）：for obtaining the revocation status of an </a:t>
-            </a:r>
-            <a:r>
-              <a:rPr>
+              <a:rPr dirty="0" err="1"/>
+              <a:t>OCSP（Online</a:t>
+            </a:r>
+            <a:r>
+              <a:rPr dirty="0"/>
+              <a:t> Certificate Status Protocol）：for obtaining the revocation status of an </a:t>
+            </a:r>
+            <a:r>
+              <a:rPr dirty="0">
                 <a:solidFill>
                   <a:srgbClr val="FF2017"/>
                 </a:solidFill>
               </a:rPr>
               <a:t>X.509 digital certificate</a:t>
             </a:r>
-            <a:endParaRPr>
-              <a:solidFill>
-                <a:srgbClr val="FF2017"/>
-              </a:solidFill>
-            </a:endParaRPr>
-          </a:p>
-          <a:p>
-            <a:pPr lvl="1" marL="865605" indent="-421105" algn="l">
-              <a:buSzPct val="75000"/>
-              <a:buChar char="•"/>
-            </a:pPr>
-            <a:r>
-              <a:rPr>
+          </a:p>
+          <a:p>
+            <a:pPr marL="865605" lvl="1" indent="-421105" algn="l">
+              <a:buSzPct val="75000"/>
+              <a:buChar char="•"/>
+            </a:pPr>
+            <a:r>
+              <a:rPr dirty="0">
                 <a:solidFill>
                   <a:srgbClr val="FF2017"/>
                 </a:solidFill>
@@ -3119,12 +3346,12 @@
   <p:clrMapOvr>
     <a:masterClrMapping/>
   </p:clrMapOvr>
-  <p:transition xmlns:p14="http://schemas.microsoft.com/office/powerpoint/2010/main" spd="med" advClick="1"/>
+  <p:transition spd="med"/>
 </p:sld>
 </file>
 
 <file path=ppt/slides/slide10.xml><?xml version="1.0" encoding="utf-8"?>
-<p:sld xmlns:a="http://schemas.openxmlformats.org/drawingml/2006/main" xmlns:r="http://schemas.openxmlformats.org/officeDocument/2006/relationships" xmlns:p="http://schemas.openxmlformats.org/presentationml/2006/main" showMasterSp="1" showMasterPhAnim="1">
+<p:sld xmlns:a="http://schemas.openxmlformats.org/drawingml/2006/main" xmlns:r="http://schemas.openxmlformats.org/officeDocument/2006/relationships" xmlns:p="http://schemas.openxmlformats.org/presentationml/2006/main">
   <p:cSld>
     <p:spTree>
       <p:nvGrpSpPr>
@@ -3159,7 +3386,7 @@
           </a:ln>
           <a:extLst>
             <a:ext uri="{C572A759-6A51-4108-AA02-DFA0A04FC94B}">
-              <ma14:wrappingTextBoxFlag xmlns:ma14="http://schemas.microsoft.com/office/mac/drawingml/2011/main" val="1"/>
+              <ma14:wrappingTextBoxFlag xmlns="" xmlns:ma14="http://schemas.microsoft.com/office/mac/drawingml/2011/main" val="1"/>
             </a:ext>
           </a:extLst>
         </p:spPr>
@@ -3231,7 +3458,7 @@
             </a:r>
             <a:r>
               <a:rPr u="sng">
-                <a:hlinkClick r:id="rId2" invalidUrl="" action="" tgtFrame="" tooltip="" history="1" highlightClick="0" endSnd="0"/>
+                <a:hlinkClick r:id="rId2"/>
               </a:rPr>
               <a:t>packet</a:t>
             </a:r>
@@ -3277,12 +3504,12 @@
   <p:clrMapOvr>
     <a:masterClrMapping/>
   </p:clrMapOvr>
-  <p:transition xmlns:p14="http://schemas.microsoft.com/office/powerpoint/2010/main" spd="med" advClick="1"/>
+  <p:transition spd="med"/>
 </p:sld>
 </file>
 
 <file path=ppt/slides/slide11.xml><?xml version="1.0" encoding="utf-8"?>
-<p:sld xmlns:a="http://schemas.openxmlformats.org/drawingml/2006/main" xmlns:r="http://schemas.openxmlformats.org/officeDocument/2006/relationships" xmlns:p="http://schemas.openxmlformats.org/presentationml/2006/main" showMasterSp="1" showMasterPhAnim="1">
+<p:sld xmlns:a="http://schemas.openxmlformats.org/drawingml/2006/main" xmlns:r="http://schemas.openxmlformats.org/officeDocument/2006/relationships" xmlns:p="http://schemas.openxmlformats.org/presentationml/2006/main">
   <p:cSld>
     <p:spTree>
       <p:nvGrpSpPr>
@@ -3317,7 +3544,7 @@
           </a:ln>
           <a:extLst>
             <a:ext uri="{C572A759-6A51-4108-AA02-DFA0A04FC94B}">
-              <ma14:wrappingTextBoxFlag xmlns:ma14="http://schemas.microsoft.com/office/mac/drawingml/2011/main" val="1"/>
+              <ma14:wrappingTextBoxFlag xmlns="" xmlns:ma14="http://schemas.microsoft.com/office/mac/drawingml/2011/main" val="1"/>
             </a:ext>
           </a:extLst>
         </p:spPr>
@@ -3342,7 +3569,7 @@
             </a:r>
           </a:p>
           <a:p>
-            <a:pPr lvl="1" marL="865605" indent="-421105" algn="l">
+            <a:pPr marL="865605" lvl="1" indent="-421105" algn="l">
               <a:buSzPct val="75000"/>
               <a:buChar char="•"/>
             </a:pPr>
@@ -3360,7 +3587,7 @@
             </a:r>
           </a:p>
           <a:p>
-            <a:pPr lvl="1" marL="865605" indent="-421105" algn="l">
+            <a:pPr marL="865605" lvl="1" indent="-421105" algn="l">
               <a:buSzPct val="75000"/>
               <a:buChar char="•"/>
             </a:pPr>
@@ -3387,7 +3614,7 @@
             </a:r>
           </a:p>
           <a:p>
-            <a:pPr lvl="1" marL="865605" indent="-421105" algn="l">
+            <a:pPr marL="865605" lvl="1" indent="-421105" algn="l">
               <a:buSzPct val="75000"/>
               <a:buChar char="•"/>
             </a:pPr>
@@ -3405,7 +3632,7 @@
             </a:r>
           </a:p>
           <a:p>
-            <a:pPr lvl="1" marL="865605" indent="-421105" algn="l">
+            <a:pPr marL="865605" lvl="1" indent="-421105" algn="l">
               <a:buSzPct val="75000"/>
               <a:buChar char="•"/>
             </a:pPr>
@@ -3423,7 +3650,7 @@
             </a:r>
           </a:p>
           <a:p>
-            <a:pPr lvl="1" marL="865605" indent="-421105" algn="l">
+            <a:pPr marL="865605" lvl="1" indent="-421105" algn="l">
               <a:buSzPct val="75000"/>
               <a:buChar char="•"/>
             </a:pPr>
@@ -3438,12 +3665,12 @@
   <p:clrMapOvr>
     <a:masterClrMapping/>
   </p:clrMapOvr>
-  <p:transition xmlns:p14="http://schemas.microsoft.com/office/powerpoint/2010/main" spd="med" advClick="1"/>
+  <p:transition spd="med"/>
 </p:sld>
 </file>
 
 <file path=ppt/slides/slide12.xml><?xml version="1.0" encoding="utf-8"?>
-<p:sld xmlns:a="http://schemas.openxmlformats.org/drawingml/2006/main" xmlns:r="http://schemas.openxmlformats.org/officeDocument/2006/relationships" xmlns:p="http://schemas.openxmlformats.org/presentationml/2006/main" showMasterSp="1" showMasterPhAnim="1">
+<p:sld xmlns:a="http://schemas.openxmlformats.org/drawingml/2006/main" xmlns:r="http://schemas.openxmlformats.org/officeDocument/2006/relationships" xmlns:p="http://schemas.openxmlformats.org/presentationml/2006/main">
   <p:cSld>
     <p:spTree>
       <p:nvGrpSpPr>
@@ -3478,7 +3705,7 @@
           </a:ln>
           <a:extLst>
             <a:ext uri="{C572A759-6A51-4108-AA02-DFA0A04FC94B}">
-              <ma14:wrappingTextBoxFlag xmlns:ma14="http://schemas.microsoft.com/office/mac/drawingml/2011/main" val="1"/>
+              <ma14:wrappingTextBoxFlag xmlns="" xmlns:ma14="http://schemas.microsoft.com/office/mac/drawingml/2011/main" val="1"/>
             </a:ext>
           </a:extLst>
         </p:spPr>
@@ -3501,6 +3728,7 @@
           </a:p>
           <a:p>
             <a:pPr algn="l"/>
+            <a:endParaRPr/>
           </a:p>
           <a:p>
             <a:pPr algn="l"/>
@@ -3521,12 +3749,12 @@
   <p:clrMapOvr>
     <a:masterClrMapping/>
   </p:clrMapOvr>
-  <p:transition xmlns:p14="http://schemas.microsoft.com/office/powerpoint/2010/main" spd="med" advClick="1"/>
+  <p:transition spd="med"/>
 </p:sld>
 </file>
 
 <file path=ppt/slides/slide2.xml><?xml version="1.0" encoding="utf-8"?>
-<p:sld xmlns:a="http://schemas.openxmlformats.org/drawingml/2006/main" xmlns:r="http://schemas.openxmlformats.org/officeDocument/2006/relationships" xmlns:p="http://schemas.openxmlformats.org/presentationml/2006/main" showMasterSp="1" showMasterPhAnim="1">
+<p:sld xmlns:a="http://schemas.openxmlformats.org/drawingml/2006/main" xmlns:r="http://schemas.openxmlformats.org/officeDocument/2006/relationships" xmlns:p="http://schemas.openxmlformats.org/presentationml/2006/main">
   <p:cSld>
     <p:spTree>
       <p:nvGrpSpPr>
@@ -3550,8 +3778,8 @@
         </p:nvSpPr>
         <p:spPr>
           <a:xfrm>
-            <a:off x="23196" y="832900"/>
-            <a:ext cx="12958408" cy="4914901"/>
+            <a:off x="23196" y="746064"/>
+            <a:ext cx="12958408" cy="5088573"/>
           </a:xfrm>
           <a:prstGeom prst="rect">
             <a:avLst/>
@@ -3561,7 +3789,7 @@
           </a:ln>
           <a:extLst>
             <a:ext uri="{C572A759-6A51-4108-AA02-DFA0A04FC94B}">
-              <ma14:wrappingTextBoxFlag xmlns:ma14="http://schemas.microsoft.com/office/mac/drawingml/2011/main" val="1"/>
+              <ma14:wrappingTextBoxFlag xmlns="" xmlns:ma14="http://schemas.microsoft.com/office/mac/drawingml/2011/main" val="1"/>
             </a:ext>
           </a:extLst>
         </p:spPr>
@@ -3576,8 +3804,10 @@
               <a:buChar char="•"/>
             </a:pPr>
             <a:r>
+              <a:rPr dirty="0" err="1"/>
               <a:t>Steganography：隐写术</a:t>
             </a:r>
+            <a:endParaRPr dirty="0"/>
           </a:p>
           <a:p>
             <a:pPr marL="421105" indent="-421105" algn="l">
@@ -3585,7 +3815,12 @@
               <a:buChar char="•"/>
             </a:pPr>
             <a:r>
-              <a:t>Biometrics：一种authentication技术，比如扫描视网膜（retina）</a:t>
+              <a:rPr dirty="0" err="1"/>
+              <a:t>Biometrics：一种authentication技术，比如扫描视网膜（retina</a:t>
+            </a:r>
+            <a:r>
+              <a:rPr dirty="0"/>
+              <a:t>）</a:t>
             </a:r>
           </a:p>
           <a:p>
@@ -3594,10 +3829,11 @@
               <a:buChar char="•"/>
             </a:pPr>
             <a:r>
+              <a:rPr dirty="0"/>
               <a:t>Logical Address = </a:t>
             </a:r>
             <a:r>
-              <a:rPr>
+              <a:rPr dirty="0">
                 <a:solidFill>
                   <a:srgbClr val="FF2640"/>
                 </a:solidFill>
@@ -3605,6 +3841,7 @@
               <a:t>IP</a:t>
             </a:r>
             <a:r>
+              <a:rPr dirty="0"/>
               <a:t> Address</a:t>
             </a:r>
           </a:p>
@@ -3614,6 +3851,7 @@
               <a:buChar char="•"/>
             </a:pPr>
             <a:r>
+              <a:rPr dirty="0"/>
               <a:t>IPv4 = 32-bit， IPv6 = 128-bit</a:t>
             </a:r>
           </a:p>
@@ -3623,7 +3861,12 @@
               <a:buChar char="•"/>
             </a:pPr>
             <a:r>
-              <a:t>WPA（Wi-Fi Protected Access）</a:t>
+              <a:rPr dirty="0" err="1"/>
+              <a:t>WPA（Wi-Fi</a:t>
+            </a:r>
+            <a:r>
+              <a:rPr dirty="0"/>
+              <a:t> Protected Access）</a:t>
             </a:r>
           </a:p>
           <a:p>
@@ -3632,8 +3875,66 @@
               <a:buChar char="•"/>
             </a:pPr>
             <a:r>
-              <a:t>Hardening = remove nonessential services</a:t>
-            </a:r>
+              <a:rPr dirty="0" smtClean="0"/>
+              <a:t>Hardening</a:t>
+            </a:r>
+            <a:r>
+              <a:rPr lang="en-US" dirty="0" smtClean="0"/>
+              <a:t> </a:t>
+            </a:r>
+            <a:r>
+              <a:rPr lang="zh-CN" altLang="en-US" dirty="0" smtClean="0"/>
+              <a:t>（</a:t>
+            </a:r>
+            <a:r>
+              <a:rPr lang="en-US" altLang="zh-CN" dirty="0" err="1" smtClean="0"/>
+              <a:t>a.k.a</a:t>
+            </a:r>
+            <a:r>
+              <a:rPr lang="en-US" altLang="zh-CN" smtClean="0"/>
+              <a:t> a </a:t>
+            </a:r>
+            <a:r>
+              <a:rPr lang="en-US" altLang="ja-JP" smtClean="0"/>
+              <a:t>process </a:t>
+            </a:r>
+            <a:r>
+              <a:rPr lang="en-US" altLang="ja-JP" dirty="0"/>
+              <a:t>of making an operating system secure from </a:t>
+            </a:r>
+            <a:r>
+              <a:rPr lang="en-US" altLang="ja-JP" dirty="0" smtClean="0"/>
+              <a:t>attack</a:t>
+            </a:r>
+            <a:r>
+              <a:rPr lang="zh-CN" altLang="en-US" dirty="0" smtClean="0"/>
+              <a:t>）</a:t>
+            </a:r>
+            <a:r>
+              <a:rPr dirty="0" smtClean="0"/>
+              <a:t> </a:t>
+            </a:r>
+            <a:r>
+              <a:rPr dirty="0"/>
+              <a:t>= remove nonessential </a:t>
+            </a:r>
+            <a:r>
+              <a:rPr dirty="0" smtClean="0"/>
+              <a:t>services</a:t>
+            </a:r>
+            <a:r>
+              <a:rPr lang="en-US" dirty="0" smtClean="0"/>
+              <a:t> </a:t>
+            </a:r>
+            <a:r>
+              <a:rPr lang="zh-CN" altLang="en-US" dirty="0" smtClean="0"/>
+              <a:t>或者 </a:t>
+            </a:r>
+            <a:r>
+              <a:rPr lang="en-US" altLang="zh-CN" dirty="0" smtClean="0"/>
+              <a:t>remove unneeded protocols</a:t>
+            </a:r>
+            <a:endParaRPr dirty="0"/>
           </a:p>
           <a:p>
             <a:pPr marL="421105" indent="-421105" algn="l">
@@ -3641,6 +3942,7 @@
               <a:buChar char="•"/>
             </a:pPr>
             <a:r>
+              <a:rPr dirty="0"/>
               <a:t>OSO = open systems connection model</a:t>
             </a:r>
           </a:p>
@@ -3709,12 +4011,12 @@
   <p:clrMapOvr>
     <a:masterClrMapping/>
   </p:clrMapOvr>
-  <p:transition xmlns:p14="http://schemas.microsoft.com/office/powerpoint/2010/main" spd="med" advClick="1"/>
+  <p:transition spd="med"/>
 </p:sld>
 </file>
 
 <file path=ppt/slides/slide3.xml><?xml version="1.0" encoding="utf-8"?>
-<p:sld xmlns:a="http://schemas.openxmlformats.org/drawingml/2006/main" xmlns:r="http://schemas.openxmlformats.org/officeDocument/2006/relationships" xmlns:p="http://schemas.openxmlformats.org/presentationml/2006/main" showMasterSp="1" showMasterPhAnim="1">
+<p:sld xmlns:a="http://schemas.openxmlformats.org/drawingml/2006/main" xmlns:r="http://schemas.openxmlformats.org/officeDocument/2006/relationships" xmlns:p="http://schemas.openxmlformats.org/presentationml/2006/main">
   <p:cSld>
     <p:spTree>
       <p:nvGrpSpPr>
@@ -3738,8 +4040,8 @@
         </p:nvSpPr>
         <p:spPr>
           <a:xfrm>
-            <a:off x="21638" y="33866"/>
-            <a:ext cx="12981304" cy="3556001"/>
+            <a:off x="21638" y="98577"/>
+            <a:ext cx="12396342" cy="3426579"/>
           </a:xfrm>
           <a:prstGeom prst="rect">
             <a:avLst/>
@@ -3749,7 +4051,7 @@
           </a:ln>
           <a:extLst>
             <a:ext uri="{C572A759-6A51-4108-AA02-DFA0A04FC94B}">
-              <ma14:wrappingTextBoxFlag xmlns:ma14="http://schemas.microsoft.com/office/mac/drawingml/2011/main" val="1"/>
+              <ma14:wrappingTextBoxFlag xmlns="" xmlns:ma14="http://schemas.microsoft.com/office/mac/drawingml/2011/main" val="1"/>
             </a:ext>
           </a:extLst>
         </p:spPr>
@@ -3764,6 +4066,7 @@
               <a:buChar char="•"/>
             </a:pPr>
             <a:r>
+              <a:rPr dirty="0"/>
               <a:t>SMTP = simple mail transfer protocol, port 25</a:t>
             </a:r>
           </a:p>
@@ -3773,7 +4076,7 @@
               <a:buChar char="•"/>
             </a:pPr>
             <a:r>
-              <a:rPr>
+              <a:rPr dirty="0">
                 <a:solidFill>
                   <a:srgbClr val="FF1813"/>
                 </a:solidFill>
@@ -3781,8 +4084,14 @@
               <a:t>NAT</a:t>
             </a:r>
             <a:r>
-              <a:t> = network address translation, 与子网掩码并用，看下图</a:t>
-            </a:r>
+              <a:rPr dirty="0"/>
+              <a:t> = network address translation, </a:t>
+            </a:r>
+            <a:r>
+              <a:rPr dirty="0" err="1"/>
+              <a:t>与子网掩码并用，看下图</a:t>
+            </a:r>
+            <a:endParaRPr dirty="0"/>
           </a:p>
           <a:p>
             <a:pPr marL="421105" indent="-421105" algn="l">
@@ -3790,6 +4099,7 @@
               <a:buChar char="•"/>
             </a:pPr>
             <a:r>
+              <a:rPr dirty="0"/>
               <a:t>ISP = internet service provider</a:t>
             </a:r>
           </a:p>
@@ -3799,8 +4109,14 @@
               <a:buChar char="•"/>
             </a:pPr>
             <a:r>
-              <a:t>NIC = network interface card 网卡</a:t>
-            </a:r>
+              <a:rPr dirty="0"/>
+              <a:t>NIC = network interface card </a:t>
+            </a:r>
+            <a:r>
+              <a:rPr dirty="0" err="1"/>
+              <a:t>网卡</a:t>
+            </a:r>
+            <a:endParaRPr dirty="0"/>
           </a:p>
           <a:p>
             <a:pPr marL="421105" indent="-421105" algn="l">
@@ -3808,8 +4124,25 @@
               <a:buChar char="•"/>
             </a:pPr>
             <a:r>
-              <a:t>ARP = address resolution protocol, to get MAC address</a:t>
-            </a:r>
+              <a:rPr dirty="0"/>
+              <a:t>ARP = address resolution protocol, to get MAC </a:t>
+            </a:r>
+            <a:r>
+              <a:rPr dirty="0" smtClean="0"/>
+              <a:t>address</a:t>
+            </a:r>
+            <a:endParaRPr lang="en-US" dirty="0" smtClean="0"/>
+          </a:p>
+          <a:p>
+            <a:pPr marL="421105" indent="-421105" algn="l">
+              <a:buSzPct val="75000"/>
+              <a:buChar char="•"/>
+            </a:pPr>
+            <a:r>
+              <a:rPr lang="en-US" dirty="0" smtClean="0"/>
+              <a:t>NAT = Network Address Translation</a:t>
+            </a:r>
+            <a:endParaRPr dirty="0"/>
           </a:p>
         </p:txBody>
       </p:sp>
@@ -3831,7 +4164,7 @@
         </p:blipFill>
         <p:spPr>
           <a:xfrm>
-            <a:off x="3327400" y="3261783"/>
+            <a:off x="2974008" y="4444752"/>
             <a:ext cx="6350000" cy="4076701"/>
           </a:xfrm>
           <a:prstGeom prst="rect">
@@ -3847,12 +4180,12 @@
   <p:clrMapOvr>
     <a:masterClrMapping/>
   </p:clrMapOvr>
-  <p:transition xmlns:p14="http://schemas.microsoft.com/office/powerpoint/2010/main" spd="med" advClick="1"/>
+  <p:transition spd="med"/>
 </p:sld>
 </file>
 
 <file path=ppt/slides/slide4.xml><?xml version="1.0" encoding="utf-8"?>
-<p:sld xmlns:a="http://schemas.openxmlformats.org/drawingml/2006/main" xmlns:r="http://schemas.openxmlformats.org/officeDocument/2006/relationships" xmlns:p="http://schemas.openxmlformats.org/presentationml/2006/main" showMasterSp="1" showMasterPhAnim="1">
+<p:sld xmlns:a="http://schemas.openxmlformats.org/drawingml/2006/main" xmlns:r="http://schemas.openxmlformats.org/officeDocument/2006/relationships" xmlns:p="http://schemas.openxmlformats.org/presentationml/2006/main">
   <p:cSld>
     <p:spTree>
       <p:nvGrpSpPr>
@@ -3886,7 +4219,7 @@
         </p:blipFill>
         <p:spPr>
           <a:xfrm>
-            <a:off x="769838" y="2914650"/>
+            <a:off x="750682" y="4156720"/>
             <a:ext cx="7366001" cy="5080000"/>
           </a:xfrm>
           <a:prstGeom prst="rect">
@@ -3905,8 +4238,8 @@
         </p:nvSpPr>
         <p:spPr>
           <a:xfrm>
-            <a:off x="3968" y="-124884"/>
-            <a:ext cx="12996864" cy="4724401"/>
+            <a:off x="3968" y="-122304"/>
+            <a:ext cx="22573487" cy="4719241"/>
           </a:xfrm>
           <a:prstGeom prst="rect">
             <a:avLst/>
@@ -3916,7 +4249,7 @@
           </a:ln>
           <a:extLst>
             <a:ext uri="{C572A759-6A51-4108-AA02-DFA0A04FC94B}">
-              <ma14:wrappingTextBoxFlag xmlns:ma14="http://schemas.microsoft.com/office/mac/drawingml/2011/main" val="1"/>
+              <ma14:wrappingTextBoxFlag xmlns="" xmlns:ma14="http://schemas.microsoft.com/office/mac/drawingml/2011/main" val="1"/>
             </a:ext>
           </a:extLst>
         </p:spPr>
@@ -3941,10 +4274,28 @@
               </a:defRPr>
             </a:pPr>
             <a:r>
+              <a:rPr dirty="0"/>
               <a:t>To sum it up in simple terms, </a:t>
             </a:r>
-            <a:r>
-              <a:rPr>
+            <a:endParaRPr lang="en-US" dirty="0" smtClean="0"/>
+          </a:p>
+          <a:p>
+            <a:pPr algn="l" defTabSz="457200">
+              <a:lnSpc>
+                <a:spcPts val="8200"/>
+              </a:lnSpc>
+              <a:spcBef>
+                <a:spcPts val="1600"/>
+              </a:spcBef>
+              <a:defRPr sz="4800">
+                <a:latin typeface="Times"/>
+                <a:ea typeface="Times"/>
+                <a:cs typeface="Times"/>
+                <a:sym typeface="Times"/>
+              </a:defRPr>
+            </a:pPr>
+            <a:r>
+              <a:rPr dirty="0" smtClean="0">
                 <a:solidFill>
                   <a:srgbClr val="FF0D00"/>
                 </a:solidFill>
@@ -3952,7 +4303,37 @@
               <a:t>Telnet</a:t>
             </a:r>
             <a:r>
-              <a:t> is used to communicate with other computers and machines in a text-based manner. A telnet session looks something like this:</a:t>
+              <a:rPr dirty="0" smtClean="0"/>
+              <a:t> </a:t>
+            </a:r>
+            <a:r>
+              <a:rPr dirty="0"/>
+              <a:t>is used to communicate with other computers and machines in a text-based manner. </a:t>
+            </a:r>
+            <a:endParaRPr lang="en-US" dirty="0" smtClean="0"/>
+          </a:p>
+          <a:p>
+            <a:pPr algn="l" defTabSz="457200">
+              <a:lnSpc>
+                <a:spcPts val="8200"/>
+              </a:lnSpc>
+              <a:spcBef>
+                <a:spcPts val="1600"/>
+              </a:spcBef>
+              <a:defRPr sz="4800">
+                <a:latin typeface="Times"/>
+                <a:ea typeface="Times"/>
+                <a:cs typeface="Times"/>
+                <a:sym typeface="Times"/>
+              </a:defRPr>
+            </a:pPr>
+            <a:r>
+              <a:rPr dirty="0" smtClean="0"/>
+              <a:t>A </a:t>
+            </a:r>
+            <a:r>
+              <a:rPr dirty="0"/>
+              <a:t>telnet session looks something like this:</a:t>
             </a:r>
           </a:p>
           <a:p>
@@ -3970,6 +4351,7 @@
                 <a:sym typeface="Times"/>
               </a:defRPr>
             </a:pPr>
+            <a:endParaRPr dirty="0"/>
           </a:p>
         </p:txBody>
       </p:sp>
@@ -3978,12 +4360,12 @@
   <p:clrMapOvr>
     <a:masterClrMapping/>
   </p:clrMapOvr>
-  <p:transition xmlns:p14="http://schemas.microsoft.com/office/powerpoint/2010/main" spd="med" advClick="1"/>
+  <p:transition spd="med"/>
 </p:sld>
 </file>
 
 <file path=ppt/slides/slide5.xml><?xml version="1.0" encoding="utf-8"?>
-<p:sld xmlns:a="http://schemas.openxmlformats.org/drawingml/2006/main" xmlns:r="http://schemas.openxmlformats.org/officeDocument/2006/relationships" xmlns:p="http://schemas.openxmlformats.org/presentationml/2006/main" showMasterSp="1" showMasterPhAnim="1">
+<p:sld xmlns:a="http://schemas.openxmlformats.org/drawingml/2006/main" xmlns:r="http://schemas.openxmlformats.org/officeDocument/2006/relationships" xmlns:p="http://schemas.openxmlformats.org/presentationml/2006/main">
   <p:cSld>
     <p:spTree>
       <p:nvGrpSpPr>
@@ -4018,7 +4400,7 @@
           </a:ln>
           <a:extLst>
             <a:ext uri="{C572A759-6A51-4108-AA02-DFA0A04FC94B}">
-              <ma14:wrappingTextBoxFlag xmlns:ma14="http://schemas.microsoft.com/office/mac/drawingml/2011/main" val="1"/>
+              <ma14:wrappingTextBoxFlag xmlns="" xmlns:ma14="http://schemas.microsoft.com/office/mac/drawingml/2011/main" val="1"/>
             </a:ext>
           </a:extLst>
         </p:spPr>
@@ -4093,7 +4475,7 @@
             </a:r>
           </a:p>
           <a:p>
-            <a:pPr lvl="1" marL="865605" indent="-421105" algn="l">
+            <a:pPr marL="865605" lvl="1" indent="-421105" algn="l">
               <a:buSzPct val="75000"/>
               <a:buChar char="•"/>
             </a:pPr>
@@ -4102,7 +4484,7 @@
             </a:r>
           </a:p>
           <a:p>
-            <a:pPr lvl="1" marL="865605" indent="-421105" algn="l">
+            <a:pPr marL="865605" lvl="1" indent="-421105" algn="l">
               <a:buSzPct val="75000"/>
               <a:buChar char="•"/>
             </a:pPr>
@@ -4129,7 +4511,7 @@
             </a:r>
           </a:p>
           <a:p>
-            <a:pPr lvl="1" marL="865605" indent="-421105" algn="l">
+            <a:pPr marL="865605" lvl="1" indent="-421105" algn="l">
               <a:buSzPct val="75000"/>
               <a:buChar char="•"/>
             </a:pPr>
@@ -4138,7 +4520,7 @@
             </a:r>
             <a:r>
               <a:rPr u="sng">
-                <a:hlinkClick r:id="rId2" invalidUrl="" action="" tgtFrame="" tooltip="" history="1" highlightClick="0" endSnd="0"/>
+                <a:hlinkClick r:id="rId2"/>
               </a:rPr>
               <a:t>www.panasonic.com</a:t>
             </a:r>
@@ -4147,7 +4529,7 @@
             </a:r>
           </a:p>
           <a:p>
-            <a:pPr lvl="2" marL="1310105" indent="-421105" algn="l">
+            <a:pPr marL="1310105" lvl="2" indent="-421105" algn="l">
               <a:buSzPct val="75000"/>
               <a:buChar char="•"/>
             </a:pPr>
@@ -4156,7 +4538,7 @@
             </a:r>
           </a:p>
           <a:p>
-            <a:pPr lvl="1" marL="865605" indent="-421105" algn="l">
+            <a:pPr marL="865605" lvl="1" indent="-421105" algn="l">
               <a:buSzPct val="75000"/>
               <a:buChar char="•"/>
             </a:pPr>
@@ -4165,13 +4547,13 @@
             </a:r>
             <a:r>
               <a:rPr u="sng">
-                <a:hlinkClick r:id="rId2" invalidUrl="" action="" tgtFrame="" tooltip="" history="1" highlightClick="0" endSnd="0"/>
+                <a:hlinkClick r:id="rId2"/>
               </a:rPr>
               <a:t>www.panasonic.com</a:t>
             </a:r>
           </a:p>
           <a:p>
-            <a:pPr lvl="2" marL="1310105" indent="-421105" algn="l">
+            <a:pPr marL="1310105" lvl="2" indent="-421105" algn="l">
               <a:buSzPct val="75000"/>
               <a:buChar char="•"/>
             </a:pPr>
@@ -4189,7 +4571,7 @@
             </a:r>
           </a:p>
           <a:p>
-            <a:pPr lvl="1" marL="865605" indent="-421105" algn="l">
+            <a:pPr marL="865605" lvl="1" indent="-421105" algn="l">
               <a:buSzPct val="75000"/>
               <a:buChar char="•"/>
             </a:pPr>
@@ -4198,7 +4580,7 @@
             </a:r>
           </a:p>
           <a:p>
-            <a:pPr lvl="1" marL="865605" indent="-421105" algn="l">
+            <a:pPr marL="865605" lvl="1" indent="-421105" algn="l">
               <a:buSzPct val="75000"/>
               <a:buChar char="•"/>
             </a:pPr>
@@ -4207,7 +4589,7 @@
             </a:r>
           </a:p>
           <a:p>
-            <a:pPr lvl="1" marL="865605" indent="-421105" algn="l">
+            <a:pPr marL="865605" lvl="1" indent="-421105" algn="l">
               <a:buSzPct val="75000"/>
               <a:buChar char="•"/>
             </a:pPr>
@@ -4216,7 +4598,7 @@
             </a:r>
             <a:r>
               <a:rPr u="sng">
-                <a:hlinkClick r:id="rId3" invalidUrl="" action="" tgtFrame="" tooltip="" history="1" highlightClick="0" endSnd="0"/>
+                <a:hlinkClick r:id="rId3"/>
               </a:rPr>
               <a:t>www.panasonic.co.jp</a:t>
             </a:r>
@@ -4253,12 +4635,12 @@
   <p:clrMapOvr>
     <a:masterClrMapping/>
   </p:clrMapOvr>
-  <p:transition xmlns:p14="http://schemas.microsoft.com/office/powerpoint/2010/main" spd="med" advClick="1"/>
+  <p:transition spd="med"/>
 </p:sld>
 </file>
 
 <file path=ppt/slides/slide6.xml><?xml version="1.0" encoding="utf-8"?>
-<p:sld xmlns:a="http://schemas.openxmlformats.org/drawingml/2006/main" xmlns:r="http://schemas.openxmlformats.org/officeDocument/2006/relationships" xmlns:p="http://schemas.openxmlformats.org/presentationml/2006/main" showMasterSp="1" showMasterPhAnim="1">
+<p:sld xmlns:a="http://schemas.openxmlformats.org/drawingml/2006/main" xmlns:r="http://schemas.openxmlformats.org/officeDocument/2006/relationships" xmlns:p="http://schemas.openxmlformats.org/presentationml/2006/main">
   <p:cSld>
     <p:spTree>
       <p:nvGrpSpPr>
@@ -4282,8 +4664,8 @@
         </p:nvSpPr>
         <p:spPr>
           <a:xfrm>
-            <a:off x="141719" y="480483"/>
-            <a:ext cx="12721361" cy="6286501"/>
+            <a:off x="141719" y="248451"/>
+            <a:ext cx="12405960" cy="6750566"/>
           </a:xfrm>
           <a:prstGeom prst="rect">
             <a:avLst/>
@@ -4293,7 +4675,7 @@
           </a:ln>
           <a:extLst>
             <a:ext uri="{C572A759-6A51-4108-AA02-DFA0A04FC94B}">
-              <ma14:wrappingTextBoxFlag xmlns:ma14="http://schemas.microsoft.com/office/mac/drawingml/2011/main" val="1"/>
+              <ma14:wrappingTextBoxFlag xmlns="" xmlns:ma14="http://schemas.microsoft.com/office/mac/drawingml/2011/main" val="1"/>
             </a:ext>
           </a:extLst>
         </p:spPr>
@@ -4308,6 +4690,7 @@
               <a:buChar char="•"/>
             </a:pPr>
             <a:r>
+              <a:rPr dirty="0"/>
               <a:t>ICMP=Internet control message protocol</a:t>
             </a:r>
           </a:p>
@@ -4317,6 +4700,7 @@
               <a:buChar char="•"/>
             </a:pPr>
             <a:r>
+              <a:rPr dirty="0"/>
               <a:t>LDAP = lightweight directory access protocol</a:t>
             </a:r>
           </a:p>
@@ -4326,51 +4710,73 @@
               <a:buChar char="•"/>
             </a:pPr>
             <a:r>
+              <a:rPr dirty="0"/>
               <a:t>ports:</a:t>
             </a:r>
           </a:p>
           <a:p>
-            <a:pPr lvl="1" marL="865605" indent="-421105" algn="l">
-              <a:buSzPct val="75000"/>
-              <a:buChar char="•"/>
-            </a:pPr>
-            <a:r>
+            <a:pPr marL="865605" lvl="1" indent="-421105" algn="l">
+              <a:buSzPct val="75000"/>
+              <a:buChar char="•"/>
+            </a:pPr>
+            <a:r>
+              <a:rPr dirty="0"/>
               <a:t>SMTP = 25</a:t>
             </a:r>
           </a:p>
           <a:p>
-            <a:pPr lvl="1" marL="865605" indent="-421105" algn="l">
-              <a:buSzPct val="75000"/>
-              <a:buChar char="•"/>
-            </a:pPr>
-            <a:r>
+            <a:pPr marL="865605" lvl="1" indent="-421105" algn="l">
+              <a:buSzPct val="75000"/>
+              <a:buChar char="•"/>
+            </a:pPr>
+            <a:r>
+              <a:rPr dirty="0"/>
               <a:t>DNS zone transfer = 53 TCP</a:t>
             </a:r>
           </a:p>
           <a:p>
-            <a:pPr lvl="1" marL="865605" indent="-421105" algn="l">
-              <a:buSzPct val="75000"/>
-              <a:buChar char="•"/>
-            </a:pPr>
-            <a:r>
-              <a:t>HTTP = 80</a:t>
-            </a:r>
-          </a:p>
-          <a:p>
-            <a:pPr lvl="1" marL="865605" indent="-421105" algn="l">
-              <a:buSzPct val="75000"/>
-              <a:buChar char="•"/>
-            </a:pPr>
-            <a:r>
+            <a:pPr marL="865605" lvl="1" indent="-421105" algn="l">
+              <a:buSzPct val="75000"/>
+              <a:buChar char="•"/>
+            </a:pPr>
+            <a:r>
+              <a:rPr dirty="0"/>
+              <a:t>HTTP = </a:t>
+            </a:r>
+            <a:r>
+              <a:rPr dirty="0" smtClean="0"/>
+              <a:t>80</a:t>
+            </a:r>
+            <a:endParaRPr lang="en-US" dirty="0" smtClean="0"/>
+          </a:p>
+          <a:p>
+            <a:pPr marL="865605" lvl="1" indent="-421105" algn="l">
+              <a:buSzPct val="75000"/>
+              <a:buChar char="•"/>
+            </a:pPr>
+            <a:r>
+              <a:rPr lang="en-US" dirty="0" smtClean="0"/>
+              <a:t>HTTPS = 443</a:t>
+            </a:r>
+            <a:endParaRPr dirty="0"/>
+          </a:p>
+          <a:p>
+            <a:pPr marL="865605" lvl="1" indent="-421105" algn="l">
+              <a:buSzPct val="75000"/>
+              <a:buChar char="•"/>
+            </a:pPr>
+            <a:r>
+              <a:rPr dirty="0"/>
               <a:t>NetBIOS = 139</a:t>
             </a:r>
           </a:p>
           <a:p>
-            <a:pPr lvl="1" marL="865605" indent="-421105" algn="l">
-              <a:buSzPct val="75000"/>
-              <a:buChar char="•"/>
-            </a:pPr>
-            <a:r>
+            <a:pPr marL="865605" lvl="1" indent="-421105" algn="l">
+              <a:buSzPct val="75000"/>
+              <a:buChar char="•"/>
+            </a:pPr>
+            <a:r>
+              <a:rPr dirty="0"/>
               <a:t>SNMP = UDP161,162</a:t>
             </a:r>
           </a:p>
@@ -4380,26 +4786,47 @@
               <a:buChar char="•"/>
             </a:pPr>
             <a:r>
-              <a:t>找network gateway</a:t>
-            </a:r>
-          </a:p>
-          <a:p>
-            <a:pPr lvl="1" marL="865605" indent="-421105" algn="l">
-              <a:buSzPct val="75000"/>
-              <a:buChar char="•"/>
-            </a:pPr>
-            <a:r>
-              <a:t>netstat -nr</a:t>
-            </a:r>
-          </a:p>
-          <a:p>
-            <a:pPr lvl="2" marL="1310105" indent="-421105" algn="l">
-              <a:buSzPct val="75000"/>
-              <a:buChar char="•"/>
-            </a:pPr>
-            <a:r>
-              <a:t>network statistics, 蛮有用的命令，可用来找routingTable</a:t>
-            </a:r>
+              <a:rPr dirty="0" err="1"/>
+              <a:t>找network</a:t>
+            </a:r>
+            <a:r>
+              <a:rPr dirty="0"/>
+              <a:t> gateway</a:t>
+            </a:r>
+          </a:p>
+          <a:p>
+            <a:pPr marL="865605" lvl="1" indent="-421105" algn="l">
+              <a:buSzPct val="75000"/>
+              <a:buChar char="•"/>
+            </a:pPr>
+            <a:r>
+              <a:rPr dirty="0" err="1"/>
+              <a:t>netstat</a:t>
+            </a:r>
+            <a:r>
+              <a:rPr dirty="0"/>
+              <a:t> -</a:t>
+            </a:r>
+            <a:r>
+              <a:rPr dirty="0" err="1"/>
+              <a:t>nr</a:t>
+            </a:r>
+            <a:endParaRPr dirty="0"/>
+          </a:p>
+          <a:p>
+            <a:pPr marL="1310105" lvl="2" indent="-421105" algn="l">
+              <a:buSzPct val="75000"/>
+              <a:buChar char="•"/>
+            </a:pPr>
+            <a:r>
+              <a:rPr dirty="0"/>
+              <a:t>network statistics, </a:t>
+            </a:r>
+            <a:r>
+              <a:rPr dirty="0" err="1"/>
+              <a:t>蛮有用的命令，可用来找routingTable</a:t>
+            </a:r>
+            <a:endParaRPr dirty="0"/>
           </a:p>
         </p:txBody>
       </p:sp>
@@ -4408,12 +4835,12 @@
   <p:clrMapOvr>
     <a:masterClrMapping/>
   </p:clrMapOvr>
-  <p:transition xmlns:p14="http://schemas.microsoft.com/office/powerpoint/2010/main" spd="med" advClick="1"/>
+  <p:transition spd="med"/>
 </p:sld>
 </file>
 
 <file path=ppt/slides/slide7.xml><?xml version="1.0" encoding="utf-8"?>
-<p:sld xmlns:a="http://schemas.openxmlformats.org/drawingml/2006/main" xmlns:r="http://schemas.openxmlformats.org/officeDocument/2006/relationships" xmlns:p="http://schemas.openxmlformats.org/presentationml/2006/main" showMasterSp="1" showMasterPhAnim="1">
+<p:sld xmlns:a="http://schemas.openxmlformats.org/drawingml/2006/main" xmlns:r="http://schemas.openxmlformats.org/officeDocument/2006/relationships" xmlns:p="http://schemas.openxmlformats.org/presentationml/2006/main">
   <p:cSld>
     <p:spTree>
       <p:nvGrpSpPr>
@@ -4448,7 +4875,7 @@
           </a:ln>
           <a:extLst>
             <a:ext uri="{C572A759-6A51-4108-AA02-DFA0A04FC94B}">
-              <ma14:wrappingTextBoxFlag xmlns:ma14="http://schemas.microsoft.com/office/mac/drawingml/2011/main" val="1"/>
+              <ma14:wrappingTextBoxFlag xmlns="" xmlns:ma14="http://schemas.microsoft.com/office/mac/drawingml/2011/main" val="1"/>
             </a:ext>
           </a:extLst>
         </p:spPr>
@@ -4460,16 +4887,16 @@
           <a:p>
             <a:pPr marL="625642" indent="-625642" algn="l">
               <a:buSzPct val="100000"/>
-              <a:buAutoNum type="arabicPeriod" startAt="1"/>
+              <a:buAutoNum type="arabicPeriod"/>
             </a:pPr>
             <a:r>
               <a:t>Footprinting</a:t>
             </a:r>
           </a:p>
           <a:p>
-            <a:pPr lvl="1" marL="1286042" indent="-625642" algn="l">
+            <a:pPr marL="1286042" lvl="1" indent="-625642" algn="l">
               <a:buSzPct val="100000"/>
-              <a:buAutoNum type="romanLcParenR" startAt="1"/>
+              <a:buAutoNum type="romanLcParenR"/>
             </a:pPr>
             <a:r>
               <a:t>用Google以及JobBoard等，获得公司信息</a:t>
@@ -4478,16 +4905,16 @@
           <a:p>
             <a:pPr marL="625642" indent="-625642" algn="l">
               <a:buSzPct val="100000"/>
-              <a:buAutoNum type="arabicPeriod" startAt="1"/>
+              <a:buAutoNum type="arabicPeriod"/>
             </a:pPr>
             <a:r>
               <a:t>Scanning</a:t>
             </a:r>
           </a:p>
           <a:p>
-            <a:pPr lvl="1" marL="1286042" indent="-625642" algn="l">
+            <a:pPr marL="1286042" lvl="1" indent="-625642" algn="l">
               <a:buSzPct val="100000"/>
-              <a:buAutoNum type="romanLcParenR" startAt="1"/>
+              <a:buAutoNum type="romanLcParenR"/>
             </a:pPr>
             <a:r>
               <a:t>ping，traceroute等，获取IP等网络信息</a:t>
@@ -4496,16 +4923,16 @@
           <a:p>
             <a:pPr marL="625642" indent="-625642" algn="l">
               <a:buSzPct val="100000"/>
-              <a:buAutoNum type="arabicPeriod" startAt="1"/>
+              <a:buAutoNum type="arabicPeriod"/>
             </a:pPr>
             <a:r>
               <a:t>Enumeration</a:t>
             </a:r>
           </a:p>
           <a:p>
-            <a:pPr lvl="1" marL="1286042" indent="-625642" algn="l">
+            <a:pPr marL="1286042" lvl="1" indent="-625642" algn="l">
               <a:buSzPct val="100000"/>
-              <a:buAutoNum type="romanLcParenR" startAt="1"/>
+              <a:buAutoNum type="romanLcParenR"/>
             </a:pPr>
             <a:r>
               <a:t>获取网络内信息，包括Username，pwd，device信息等</a:t>
@@ -4514,16 +4941,16 @@
           <a:p>
             <a:pPr marL="625642" indent="-625642" algn="l">
               <a:buSzPct val="100000"/>
-              <a:buAutoNum type="arabicPeriod" startAt="1"/>
+              <a:buAutoNum type="arabicPeriod"/>
             </a:pPr>
             <a:r>
               <a:t>System Hacking</a:t>
             </a:r>
           </a:p>
           <a:p>
-            <a:pPr lvl="1" marL="1286042" indent="-625642" algn="l">
+            <a:pPr marL="1286042" lvl="1" indent="-625642" algn="l">
               <a:buSzPct val="100000"/>
-              <a:buAutoNum type="romanLcParenR" startAt="1"/>
+              <a:buAutoNum type="romanLcParenR"/>
             </a:pPr>
             <a:r>
               <a:t>Password Cracking</a:t>
@@ -4536,12 +4963,12 @@
   <p:clrMapOvr>
     <a:masterClrMapping/>
   </p:clrMapOvr>
-  <p:transition xmlns:p14="http://schemas.microsoft.com/office/powerpoint/2010/main" spd="med" advClick="1"/>
+  <p:transition spd="med"/>
 </p:sld>
 </file>
 
 <file path=ppt/slides/slide8.xml><?xml version="1.0" encoding="utf-8"?>
-<p:sld xmlns:a="http://schemas.openxmlformats.org/drawingml/2006/main" xmlns:r="http://schemas.openxmlformats.org/officeDocument/2006/relationships" xmlns:p="http://schemas.openxmlformats.org/presentationml/2006/main" showMasterSp="1" showMasterPhAnim="1">
+<p:sld xmlns:a="http://schemas.openxmlformats.org/drawingml/2006/main" xmlns:r="http://schemas.openxmlformats.org/officeDocument/2006/relationships" xmlns:p="http://schemas.openxmlformats.org/presentationml/2006/main">
   <p:cSld>
     <p:spTree>
       <p:nvGrpSpPr>
@@ -4565,7 +4992,7 @@
         </p:nvSpPr>
         <p:spPr>
           <a:xfrm>
-            <a:off x="178366" y="692142"/>
+            <a:off x="0" y="556320"/>
             <a:ext cx="13055601" cy="8369315"/>
           </a:xfrm>
           <a:prstGeom prst="rect">
@@ -4576,7 +5003,7 @@
           </a:ln>
           <a:extLst>
             <a:ext uri="{C572A759-6A51-4108-AA02-DFA0A04FC94B}">
-              <ma14:wrappingTextBoxFlag xmlns:ma14="http://schemas.microsoft.com/office/mac/drawingml/2011/main" val="1"/>
+              <ma14:wrappingTextBoxFlag xmlns="" xmlns:ma14="http://schemas.microsoft.com/office/mac/drawingml/2011/main" val="1"/>
             </a:ext>
           </a:extLst>
         </p:spPr>
@@ -4591,17 +5018,28 @@
               <a:buChar char="•"/>
             </a:pPr>
             <a:r>
-              <a:t>Windows特有的SAM, NTLM, LM, Kerberos</a:t>
-            </a:r>
-          </a:p>
-          <a:p>
-            <a:pPr lvl="1" marL="865605" indent="-421105" algn="l">
-              <a:buSzPct val="75000"/>
-              <a:buChar char="•"/>
-            </a:pPr>
-            <a:r>
-              <a:t>NTLM (NT LAN manager) authentication，一种登陆认证机制，hash用户密码</a:t>
-            </a:r>
+              <a:rPr dirty="0" err="1"/>
+              <a:t>Windows特有的SAM</a:t>
+            </a:r>
+            <a:r>
+              <a:rPr dirty="0"/>
+              <a:t>, NTLM, LM, Kerberos</a:t>
+            </a:r>
+          </a:p>
+          <a:p>
+            <a:pPr marL="865605" lvl="1" indent="-421105" algn="l">
+              <a:buSzPct val="75000"/>
+              <a:buChar char="•"/>
+            </a:pPr>
+            <a:r>
+              <a:rPr dirty="0"/>
+              <a:t>NTLM (NT LAN manager) </a:t>
+            </a:r>
+            <a:r>
+              <a:rPr dirty="0" err="1"/>
+              <a:t>authentication，一种登陆认证机制，hash用户密码</a:t>
+            </a:r>
+            <a:endParaRPr dirty="0"/>
           </a:p>
           <a:p>
             <a:pPr marL="421105" indent="-421105" algn="l">
@@ -4609,6 +5047,7 @@
               <a:buChar char="•"/>
             </a:pPr>
             <a:r>
+              <a:rPr dirty="0"/>
               <a:t>SAM=security accounts manager</a:t>
             </a:r>
           </a:p>
@@ -4618,8 +5057,14 @@
               <a:buChar char="•"/>
             </a:pPr>
             <a:r>
-              <a:t>Kerberos 一种远程登录认证机制，用issureTicket的方法</a:t>
-            </a:r>
+              <a:rPr dirty="0"/>
+              <a:t>Kerberos </a:t>
+            </a:r>
+            <a:r>
+              <a:rPr dirty="0" err="1"/>
+              <a:t>一种远程登录认证机制，用issureTicket的方法</a:t>
+            </a:r>
+            <a:endParaRPr dirty="0"/>
           </a:p>
           <a:p>
             <a:pPr marL="421105" indent="-421105" algn="l">
@@ -4627,8 +5072,10 @@
               <a:buChar char="•"/>
             </a:pPr>
             <a:r>
+              <a:rPr dirty="0" err="1"/>
               <a:t>NTLM比较老，已经没有支持</a:t>
             </a:r>
+            <a:endParaRPr dirty="0"/>
           </a:p>
           <a:p>
             <a:pPr marL="421105" indent="-421105" algn="l">
@@ -4636,8 +5083,10 @@
               <a:buChar char="•"/>
             </a:pPr>
             <a:r>
+              <a:rPr dirty="0" err="1"/>
               <a:t>LM是一种Hash算法，比较老</a:t>
             </a:r>
+            <a:endParaRPr dirty="0"/>
           </a:p>
           <a:p>
             <a:pPr marL="421105" indent="-421105" algn="l">
@@ -4645,7 +5094,16 @@
               <a:buChar char="•"/>
             </a:pPr>
             <a:r>
-              <a:t>Trinity Rescue Kit （TRK）是一种系统修复工具，可用来用Privilege Escalation</a:t>
+              <a:rPr dirty="0"/>
+              <a:t>Trinity Rescue Kit （</a:t>
+            </a:r>
+            <a:r>
+              <a:rPr dirty="0" err="1"/>
+              <a:t>TRK）是一种系统修复工具，可用来用Privilege</a:t>
+            </a:r>
+            <a:r>
+              <a:rPr dirty="0"/>
+              <a:t> Escalation</a:t>
             </a:r>
           </a:p>
           <a:p>
@@ -4654,7 +5112,7 @@
               <a:buChar char="•"/>
             </a:pPr>
             <a:r>
-              <a:rPr b="1">
+              <a:rPr b="1" dirty="0" err="1">
                 <a:latin typeface="Helvetica"/>
                 <a:ea typeface="Helvetica"/>
                 <a:cs typeface="Helvetica"/>
@@ -4663,6 +5121,7 @@
               <a:t>Syskey</a:t>
             </a:r>
             <a:r>
+              <a:rPr dirty="0"/>
               <a:t> is a utility that encrypts the hashed password information in a SAM database in a Windows system using a 128-bit RC4 encryption key that, by default, is stored in the Windows registry.</a:t>
             </a:r>
           </a:p>
@@ -4672,7 +5131,7 @@
               <a:buChar char="•"/>
             </a:pPr>
             <a:r>
-              <a:rPr b="1">
+              <a:rPr b="1" dirty="0">
                 <a:latin typeface="Helvetica"/>
                 <a:ea typeface="Helvetica"/>
                 <a:cs typeface="Helvetica"/>
@@ -4681,6 +5140,7 @@
               <a:t>Covert Channel</a:t>
             </a:r>
             <a:r>
+              <a:rPr dirty="0"/>
               <a:t>: a backdoor</a:t>
             </a:r>
           </a:p>
@@ -4691,12 +5151,12 @@
   <p:clrMapOvr>
     <a:masterClrMapping/>
   </p:clrMapOvr>
-  <p:transition xmlns:p14="http://schemas.microsoft.com/office/powerpoint/2010/main" spd="med" advClick="1"/>
+  <p:transition spd="med"/>
 </p:sld>
 </file>
 
 <file path=ppt/slides/slide9.xml><?xml version="1.0" encoding="utf-8"?>
-<p:sld xmlns:a="http://schemas.openxmlformats.org/drawingml/2006/main" xmlns:r="http://schemas.openxmlformats.org/officeDocument/2006/relationships" xmlns:p="http://schemas.openxmlformats.org/presentationml/2006/main" showMasterSp="1" showMasterPhAnim="1">
+<p:sld xmlns:a="http://schemas.openxmlformats.org/drawingml/2006/main" xmlns:r="http://schemas.openxmlformats.org/officeDocument/2006/relationships" xmlns:p="http://schemas.openxmlformats.org/presentationml/2006/main">
   <p:cSld>
     <p:spTree>
       <p:nvGrpSpPr>
@@ -4731,7 +5191,7 @@
           </a:ln>
           <a:extLst>
             <a:ext uri="{C572A759-6A51-4108-AA02-DFA0A04FC94B}">
-              <ma14:wrappingTextBoxFlag xmlns:ma14="http://schemas.microsoft.com/office/mac/drawingml/2011/main" val="1"/>
+              <ma14:wrappingTextBoxFlag xmlns="" xmlns:ma14="http://schemas.microsoft.com/office/mac/drawingml/2011/main" val="1"/>
             </a:ext>
           </a:extLst>
         </p:spPr>
@@ -4902,7 +5362,7 @@
           </a:ln>
           <a:extLst>
             <a:ext uri="{C572A759-6A51-4108-AA02-DFA0A04FC94B}">
-              <ma14:wrappingTextBoxFlag xmlns:ma14="http://schemas.microsoft.com/office/mac/drawingml/2011/main" val="1"/>
+              <ma14:wrappingTextBoxFlag xmlns="" xmlns:ma14="http://schemas.microsoft.com/office/mac/drawingml/2011/main" val="1"/>
             </a:ext>
           </a:extLst>
         </p:spPr>
@@ -4969,12 +5429,12 @@
   <p:clrMapOvr>
     <a:masterClrMapping/>
   </p:clrMapOvr>
-  <p:transition xmlns:p14="http://schemas.microsoft.com/office/powerpoint/2010/main" spd="med" advClick="1"/>
+  <p:transition spd="med"/>
 </p:sld>
 </file>
 
 <file path=ppt/theme/theme1.xml><?xml version="1.0" encoding="utf-8"?>
-<a:theme xmlns:a="http://schemas.openxmlformats.org/drawingml/2006/main" xmlns:r="http://schemas.openxmlformats.org/officeDocument/2006/relationships" name="Black">
+<a:theme xmlns:a="http://schemas.openxmlformats.org/drawingml/2006/main" name="Black">
   <a:themeElements>
     <a:clrScheme name="Black">
       <a:dk1>
@@ -5164,8 +5624,8 @@
     <a:spDef>
       <a:spPr>
         <a:blipFill rotWithShape="1">
-          <a:blip r:embed="rId1"/>
-          <a:srcRect l="0" t="0" r="0" b="0"/>
+          <a:blip xmlns:r="http://schemas.openxmlformats.org/officeDocument/2006/relationships" r:embed="rId1"/>
+          <a:srcRect/>
           <a:tile tx="0" ty="0" sx="100000" sy="100000" flip="none" algn="tl"/>
         </a:blipFill>
         <a:ln w="12700" cap="flat">
@@ -5175,7 +5635,7 @@
         <a:effectLst/>
         <a:sp3d/>
       </a:spPr>
-      <a:bodyPr rot="0" spcFirstLastPara="1" vertOverflow="overflow" horzOverflow="overflow" vert="horz" wrap="square" lIns="50800" tIns="50800" rIns="50800" bIns="50800" numCol="1" spcCol="38100" rtlCol="0" anchor="ctr" upright="0">
+      <a:bodyPr rot="0" spcFirstLastPara="1" vertOverflow="overflow" horzOverflow="overflow" vert="horz" wrap="square" lIns="50800" tIns="50800" rIns="50800" bIns="50800" numCol="1" spcCol="38100" rtlCol="0" anchor="ctr">
         <a:spAutoFit/>
       </a:bodyPr>
       <a:lstStyle>
@@ -5194,7 +5654,7 @@
           <a:buFontTx/>
           <a:buNone/>
           <a:tabLst/>
-          <a:defRPr b="0" baseline="0" cap="none" i="0" spc="0" strike="noStrike" sz="2600" u="none" kumimoji="0" normalizeH="0">
+          <a:defRPr kumimoji="0" sz="2600" b="0" i="0" u="none" strike="noStrike" cap="none" spc="0" normalizeH="0" baseline="0">
             <a:ln>
               <a:noFill/>
             </a:ln>
@@ -5224,7 +5684,7 @@
           <a:buFontTx/>
           <a:buNone/>
           <a:tabLst/>
-          <a:defRPr b="0" baseline="0" cap="none" i="0" spc="0" strike="noStrike" sz="1800" u="none" kumimoji="0" normalizeH="0">
+          <a:defRPr kumimoji="0" sz="1800" b="0" i="0" u="none" strike="noStrike" cap="none" spc="0" normalizeH="0" baseline="0">
             <a:ln>
               <a:noFill/>
             </a:ln>
@@ -5250,7 +5710,7 @@
           <a:buFontTx/>
           <a:buNone/>
           <a:tabLst/>
-          <a:defRPr b="0" baseline="0" cap="none" i="0" spc="0" strike="noStrike" sz="1800" u="none" kumimoji="0" normalizeH="0">
+          <a:defRPr kumimoji="0" sz="1800" b="0" i="0" u="none" strike="noStrike" cap="none" spc="0" normalizeH="0" baseline="0">
             <a:ln>
               <a:noFill/>
             </a:ln>
@@ -5276,7 +5736,7 @@
           <a:buFontTx/>
           <a:buNone/>
           <a:tabLst/>
-          <a:defRPr b="0" baseline="0" cap="none" i="0" spc="0" strike="noStrike" sz="1800" u="none" kumimoji="0" normalizeH="0">
+          <a:defRPr kumimoji="0" sz="1800" b="0" i="0" u="none" strike="noStrike" cap="none" spc="0" normalizeH="0" baseline="0">
             <a:ln>
               <a:noFill/>
             </a:ln>
@@ -5302,7 +5762,7 @@
           <a:buFontTx/>
           <a:buNone/>
           <a:tabLst/>
-          <a:defRPr b="0" baseline="0" cap="none" i="0" spc="0" strike="noStrike" sz="1800" u="none" kumimoji="0" normalizeH="0">
+          <a:defRPr kumimoji="0" sz="1800" b="0" i="0" u="none" strike="noStrike" cap="none" spc="0" normalizeH="0" baseline="0">
             <a:ln>
               <a:noFill/>
             </a:ln>
@@ -5328,7 +5788,7 @@
           <a:buFontTx/>
           <a:buNone/>
           <a:tabLst/>
-          <a:defRPr b="0" baseline="0" cap="none" i="0" spc="0" strike="noStrike" sz="1800" u="none" kumimoji="0" normalizeH="0">
+          <a:defRPr kumimoji="0" sz="1800" b="0" i="0" u="none" strike="noStrike" cap="none" spc="0" normalizeH="0" baseline="0">
             <a:ln>
               <a:noFill/>
             </a:ln>
@@ -5354,7 +5814,7 @@
           <a:buFontTx/>
           <a:buNone/>
           <a:tabLst/>
-          <a:defRPr b="0" baseline="0" cap="none" i="0" spc="0" strike="noStrike" sz="1800" u="none" kumimoji="0" normalizeH="0">
+          <a:defRPr kumimoji="0" sz="1800" b="0" i="0" u="none" strike="noStrike" cap="none" spc="0" normalizeH="0" baseline="0">
             <a:ln>
               <a:noFill/>
             </a:ln>
@@ -5380,7 +5840,7 @@
           <a:buFontTx/>
           <a:buNone/>
           <a:tabLst/>
-          <a:defRPr b="0" baseline="0" cap="none" i="0" spc="0" strike="noStrike" sz="1800" u="none" kumimoji="0" normalizeH="0">
+          <a:defRPr kumimoji="0" sz="1800" b="0" i="0" u="none" strike="noStrike" cap="none" spc="0" normalizeH="0" baseline="0">
             <a:ln>
               <a:noFill/>
             </a:ln>
@@ -5406,7 +5866,7 @@
           <a:buFontTx/>
           <a:buNone/>
           <a:tabLst/>
-          <a:defRPr b="0" baseline="0" cap="none" i="0" spc="0" strike="noStrike" sz="1800" u="none" kumimoji="0" normalizeH="0">
+          <a:defRPr kumimoji="0" sz="1800" b="0" i="0" u="none" strike="noStrike" cap="none" spc="0" normalizeH="0" baseline="0">
             <a:ln>
               <a:noFill/>
             </a:ln>
@@ -5432,7 +5892,7 @@
           <a:buFontTx/>
           <a:buNone/>
           <a:tabLst/>
-          <a:defRPr b="0" baseline="0" cap="none" i="0" spc="0" strike="noStrike" sz="1800" u="none" kumimoji="0" normalizeH="0">
+          <a:defRPr kumimoji="0" sz="1800" b="0" i="0" u="none" strike="noStrike" cap="none" spc="0" normalizeH="0" baseline="0">
             <a:ln>
               <a:noFill/>
             </a:ln>
@@ -5445,9 +5905,15 @@
         </a:lvl9pPr>
       </a:lstStyle>
       <a:style>
-        <a:lnRef idx="0"/>
-        <a:fillRef idx="0"/>
-        <a:effectRef idx="0"/>
+        <a:lnRef idx="0">
+          <a:scrgbClr r="0" g="0" b="0"/>
+        </a:lnRef>
+        <a:fillRef idx="0">
+          <a:scrgbClr r="0" g="0" b="0"/>
+        </a:fillRef>
+        <a:effectRef idx="0">
+          <a:scrgbClr r="0" g="0" b="0"/>
+        </a:effectRef>
         <a:fontRef idx="none"/>
       </a:style>
     </a:spDef>
@@ -5464,7 +5930,7 @@
         <a:effectLst/>
         <a:sp3d/>
       </a:spPr>
-      <a:bodyPr rot="0" spcFirstLastPara="1" vertOverflow="overflow" horzOverflow="overflow" vert="horz" wrap="square" lIns="91439" tIns="45719" rIns="91439" bIns="45719" numCol="1" spcCol="38100" rtlCol="0" anchor="t" upright="0">
+      <a:bodyPr rot="0" spcFirstLastPara="1" vertOverflow="overflow" horzOverflow="overflow" vert="horz" wrap="square" lIns="91439" tIns="45719" rIns="91439" bIns="45719" numCol="1" spcCol="38100" rtlCol="0" anchor="t">
         <a:noAutofit/>
       </a:bodyPr>
       <a:lstStyle>
@@ -5483,7 +5949,7 @@
           <a:buFontTx/>
           <a:buNone/>
           <a:tabLst/>
-          <a:defRPr b="0" baseline="0" cap="none" i="0" spc="0" strike="noStrike" sz="1800" u="none" kumimoji="0" normalizeH="0">
+          <a:defRPr kumimoji="0" sz="1800" b="0" i="0" u="none" strike="noStrike" cap="none" spc="0" normalizeH="0" baseline="0">
             <a:ln>
               <a:noFill/>
             </a:ln>
@@ -5509,7 +5975,7 @@
           <a:buFontTx/>
           <a:buNone/>
           <a:tabLst/>
-          <a:defRPr b="0" baseline="0" cap="none" i="0" spc="0" strike="noStrike" sz="1800" u="none" kumimoji="0" normalizeH="0">
+          <a:defRPr kumimoji="0" sz="1800" b="0" i="0" u="none" strike="noStrike" cap="none" spc="0" normalizeH="0" baseline="0">
             <a:ln>
               <a:noFill/>
             </a:ln>
@@ -5535,7 +6001,7 @@
           <a:buFontTx/>
           <a:buNone/>
           <a:tabLst/>
-          <a:defRPr b="0" baseline="0" cap="none" i="0" spc="0" strike="noStrike" sz="1800" u="none" kumimoji="0" normalizeH="0">
+          <a:defRPr kumimoji="0" sz="1800" b="0" i="0" u="none" strike="noStrike" cap="none" spc="0" normalizeH="0" baseline="0">
             <a:ln>
               <a:noFill/>
             </a:ln>
@@ -5561,7 +6027,7 @@
           <a:buFontTx/>
           <a:buNone/>
           <a:tabLst/>
-          <a:defRPr b="0" baseline="0" cap="none" i="0" spc="0" strike="noStrike" sz="1800" u="none" kumimoji="0" normalizeH="0">
+          <a:defRPr kumimoji="0" sz="1800" b="0" i="0" u="none" strike="noStrike" cap="none" spc="0" normalizeH="0" baseline="0">
             <a:ln>
               <a:noFill/>
             </a:ln>
@@ -5587,7 +6053,7 @@
           <a:buFontTx/>
           <a:buNone/>
           <a:tabLst/>
-          <a:defRPr b="0" baseline="0" cap="none" i="0" spc="0" strike="noStrike" sz="1800" u="none" kumimoji="0" normalizeH="0">
+          <a:defRPr kumimoji="0" sz="1800" b="0" i="0" u="none" strike="noStrike" cap="none" spc="0" normalizeH="0" baseline="0">
             <a:ln>
               <a:noFill/>
             </a:ln>
@@ -5613,7 +6079,7 @@
           <a:buFontTx/>
           <a:buNone/>
           <a:tabLst/>
-          <a:defRPr b="0" baseline="0" cap="none" i="0" spc="0" strike="noStrike" sz="1800" u="none" kumimoji="0" normalizeH="0">
+          <a:defRPr kumimoji="0" sz="1800" b="0" i="0" u="none" strike="noStrike" cap="none" spc="0" normalizeH="0" baseline="0">
             <a:ln>
               <a:noFill/>
             </a:ln>
@@ -5639,7 +6105,7 @@
           <a:buFontTx/>
           <a:buNone/>
           <a:tabLst/>
-          <a:defRPr b="0" baseline="0" cap="none" i="0" spc="0" strike="noStrike" sz="1800" u="none" kumimoji="0" normalizeH="0">
+          <a:defRPr kumimoji="0" sz="1800" b="0" i="0" u="none" strike="noStrike" cap="none" spc="0" normalizeH="0" baseline="0">
             <a:ln>
               <a:noFill/>
             </a:ln>
@@ -5665,7 +6131,7 @@
           <a:buFontTx/>
           <a:buNone/>
           <a:tabLst/>
-          <a:defRPr b="0" baseline="0" cap="none" i="0" spc="0" strike="noStrike" sz="1800" u="none" kumimoji="0" normalizeH="0">
+          <a:defRPr kumimoji="0" sz="1800" b="0" i="0" u="none" strike="noStrike" cap="none" spc="0" normalizeH="0" baseline="0">
             <a:ln>
               <a:noFill/>
             </a:ln>
@@ -5691,7 +6157,7 @@
           <a:buFontTx/>
           <a:buNone/>
           <a:tabLst/>
-          <a:defRPr b="0" baseline="0" cap="none" i="0" spc="0" strike="noStrike" sz="1800" u="none" kumimoji="0" normalizeH="0">
+          <a:defRPr kumimoji="0" sz="1800" b="0" i="0" u="none" strike="noStrike" cap="none" spc="0" normalizeH="0" baseline="0">
             <a:ln>
               <a:noFill/>
             </a:ln>
@@ -5717,7 +6183,7 @@
           <a:buFontTx/>
           <a:buNone/>
           <a:tabLst/>
-          <a:defRPr b="0" baseline="0" cap="none" i="0" spc="0" strike="noStrike" sz="1800" u="none" kumimoji="0" normalizeH="0">
+          <a:defRPr kumimoji="0" sz="1800" b="0" i="0" u="none" strike="noStrike" cap="none" spc="0" normalizeH="0" baseline="0">
             <a:ln>
               <a:noFill/>
             </a:ln>
@@ -5730,9 +6196,15 @@
         </a:lvl9pPr>
       </a:lstStyle>
       <a:style>
-        <a:lnRef idx="0"/>
-        <a:fillRef idx="0"/>
-        <a:effectRef idx="0"/>
+        <a:lnRef idx="0">
+          <a:scrgbClr r="0" g="0" b="0"/>
+        </a:lnRef>
+        <a:fillRef idx="0">
+          <a:scrgbClr r="0" g="0" b="0"/>
+        </a:fillRef>
+        <a:effectRef idx="0">
+          <a:scrgbClr r="0" g="0" b="0"/>
+        </a:effectRef>
         <a:fontRef idx="none"/>
       </a:style>
     </a:lnDef>
@@ -5746,7 +6218,7 @@
         <a:effectLst/>
         <a:sp3d/>
       </a:spPr>
-      <a:bodyPr rot="0" spcFirstLastPara="1" vertOverflow="overflow" horzOverflow="overflow" vert="horz" wrap="square" lIns="50800" tIns="50800" rIns="50800" bIns="50800" numCol="1" spcCol="38100" rtlCol="0" anchor="ctr" upright="0">
+      <a:bodyPr rot="0" spcFirstLastPara="1" vertOverflow="overflow" horzOverflow="overflow" vert="horz" wrap="square" lIns="50800" tIns="50800" rIns="50800" bIns="50800" numCol="1" spcCol="38100" rtlCol="0" anchor="ctr">
         <a:spAutoFit/>
       </a:bodyPr>
       <a:lstStyle>
@@ -5765,7 +6237,7 @@
           <a:buFontTx/>
           <a:buNone/>
           <a:tabLst/>
-          <a:defRPr b="0" baseline="0" cap="none" i="0" spc="0" strike="noStrike" sz="3600" u="none" kumimoji="0" normalizeH="0">
+          <a:defRPr kumimoji="0" sz="3600" b="0" i="0" u="none" strike="noStrike" cap="none" spc="0" normalizeH="0" baseline="0">
             <a:ln>
               <a:noFill/>
             </a:ln>
@@ -5795,7 +6267,7 @@
           <a:buFontTx/>
           <a:buNone/>
           <a:tabLst/>
-          <a:defRPr b="0" baseline="0" cap="none" i="0" spc="0" strike="noStrike" sz="1800" u="none" kumimoji="0" normalizeH="0">
+          <a:defRPr kumimoji="0" sz="1800" b="0" i="0" u="none" strike="noStrike" cap="none" spc="0" normalizeH="0" baseline="0">
             <a:ln>
               <a:noFill/>
             </a:ln>
@@ -5821,7 +6293,7 @@
           <a:buFontTx/>
           <a:buNone/>
           <a:tabLst/>
-          <a:defRPr b="0" baseline="0" cap="none" i="0" spc="0" strike="noStrike" sz="1800" u="none" kumimoji="0" normalizeH="0">
+          <a:defRPr kumimoji="0" sz="1800" b="0" i="0" u="none" strike="noStrike" cap="none" spc="0" normalizeH="0" baseline="0">
             <a:ln>
               <a:noFill/>
             </a:ln>
@@ -5847,7 +6319,7 @@
           <a:buFontTx/>
           <a:buNone/>
           <a:tabLst/>
-          <a:defRPr b="0" baseline="0" cap="none" i="0" spc="0" strike="noStrike" sz="1800" u="none" kumimoji="0" normalizeH="0">
+          <a:defRPr kumimoji="0" sz="1800" b="0" i="0" u="none" strike="noStrike" cap="none" spc="0" normalizeH="0" baseline="0">
             <a:ln>
               <a:noFill/>
             </a:ln>
@@ -5873,7 +6345,7 @@
           <a:buFontTx/>
           <a:buNone/>
           <a:tabLst/>
-          <a:defRPr b="0" baseline="0" cap="none" i="0" spc="0" strike="noStrike" sz="1800" u="none" kumimoji="0" normalizeH="0">
+          <a:defRPr kumimoji="0" sz="1800" b="0" i="0" u="none" strike="noStrike" cap="none" spc="0" normalizeH="0" baseline="0">
             <a:ln>
               <a:noFill/>
             </a:ln>
@@ -5899,7 +6371,7 @@
           <a:buFontTx/>
           <a:buNone/>
           <a:tabLst/>
-          <a:defRPr b="0" baseline="0" cap="none" i="0" spc="0" strike="noStrike" sz="1800" u="none" kumimoji="0" normalizeH="0">
+          <a:defRPr kumimoji="0" sz="1800" b="0" i="0" u="none" strike="noStrike" cap="none" spc="0" normalizeH="0" baseline="0">
             <a:ln>
               <a:noFill/>
             </a:ln>
@@ -5925,7 +6397,7 @@
           <a:buFontTx/>
           <a:buNone/>
           <a:tabLst/>
-          <a:defRPr b="0" baseline="0" cap="none" i="0" spc="0" strike="noStrike" sz="1800" u="none" kumimoji="0" normalizeH="0">
+          <a:defRPr kumimoji="0" sz="1800" b="0" i="0" u="none" strike="noStrike" cap="none" spc="0" normalizeH="0" baseline="0">
             <a:ln>
               <a:noFill/>
             </a:ln>
@@ -5951,7 +6423,7 @@
           <a:buFontTx/>
           <a:buNone/>
           <a:tabLst/>
-          <a:defRPr b="0" baseline="0" cap="none" i="0" spc="0" strike="noStrike" sz="1800" u="none" kumimoji="0" normalizeH="0">
+          <a:defRPr kumimoji="0" sz="1800" b="0" i="0" u="none" strike="noStrike" cap="none" spc="0" normalizeH="0" baseline="0">
             <a:ln>
               <a:noFill/>
             </a:ln>
@@ -5977,7 +6449,7 @@
           <a:buFontTx/>
           <a:buNone/>
           <a:tabLst/>
-          <a:defRPr b="0" baseline="0" cap="none" i="0" spc="0" strike="noStrike" sz="1800" u="none" kumimoji="0" normalizeH="0">
+          <a:defRPr kumimoji="0" sz="1800" b="0" i="0" u="none" strike="noStrike" cap="none" spc="0" normalizeH="0" baseline="0">
             <a:ln>
               <a:noFill/>
             </a:ln>
@@ -6003,7 +6475,7 @@
           <a:buFontTx/>
           <a:buNone/>
           <a:tabLst/>
-          <a:defRPr b="0" baseline="0" cap="none" i="0" spc="0" strike="noStrike" sz="1800" u="none" kumimoji="0" normalizeH="0">
+          <a:defRPr kumimoji="0" sz="1800" b="0" i="0" u="none" strike="noStrike" cap="none" spc="0" normalizeH="0" baseline="0">
             <a:ln>
               <a:noFill/>
             </a:ln>
@@ -6016,18 +6488,25 @@
         </a:lvl9pPr>
       </a:lstStyle>
       <a:style>
-        <a:lnRef idx="0"/>
-        <a:fillRef idx="0"/>
-        <a:effectRef idx="0"/>
+        <a:lnRef idx="0">
+          <a:scrgbClr r="0" g="0" b="0"/>
+        </a:lnRef>
+        <a:fillRef idx="0">
+          <a:scrgbClr r="0" g="0" b="0"/>
+        </a:fillRef>
+        <a:effectRef idx="0">
+          <a:scrgbClr r="0" g="0" b="0"/>
+        </a:effectRef>
         <a:fontRef idx="none"/>
       </a:style>
     </a:txDef>
   </a:objectDefaults>
+  <a:extraClrSchemeLst/>
 </a:theme>
 </file>
 
 <file path=ppt/theme/theme2.xml><?xml version="1.0" encoding="utf-8"?>
-<a:theme xmlns:a="http://schemas.openxmlformats.org/drawingml/2006/main" xmlns:r="http://schemas.openxmlformats.org/officeDocument/2006/relationships" name="Black">
+<a:theme xmlns:a="http://schemas.openxmlformats.org/drawingml/2006/main" name="Black">
   <a:themeElements>
     <a:clrScheme name="Black">
       <a:dk1>
@@ -6217,8 +6696,8 @@
     <a:spDef>
       <a:spPr>
         <a:blipFill rotWithShape="1">
-          <a:blip r:embed="rId1"/>
-          <a:srcRect l="0" t="0" r="0" b="0"/>
+          <a:blip xmlns:r="http://schemas.openxmlformats.org/officeDocument/2006/relationships" r:embed="rId1"/>
+          <a:srcRect/>
           <a:tile tx="0" ty="0" sx="100000" sy="100000" flip="none" algn="tl"/>
         </a:blipFill>
         <a:ln w="12700" cap="flat">
@@ -6228,7 +6707,7 @@
         <a:effectLst/>
         <a:sp3d/>
       </a:spPr>
-      <a:bodyPr rot="0" spcFirstLastPara="1" vertOverflow="overflow" horzOverflow="overflow" vert="horz" wrap="square" lIns="50800" tIns="50800" rIns="50800" bIns="50800" numCol="1" spcCol="38100" rtlCol="0" anchor="ctr" upright="0">
+      <a:bodyPr rot="0" spcFirstLastPara="1" vertOverflow="overflow" horzOverflow="overflow" vert="horz" wrap="square" lIns="50800" tIns="50800" rIns="50800" bIns="50800" numCol="1" spcCol="38100" rtlCol="0" anchor="ctr">
         <a:spAutoFit/>
       </a:bodyPr>
       <a:lstStyle>
@@ -6247,7 +6726,7 @@
           <a:buFontTx/>
           <a:buNone/>
           <a:tabLst/>
-          <a:defRPr b="0" baseline="0" cap="none" i="0" spc="0" strike="noStrike" sz="2600" u="none" kumimoji="0" normalizeH="0">
+          <a:defRPr kumimoji="0" sz="2600" b="0" i="0" u="none" strike="noStrike" cap="none" spc="0" normalizeH="0" baseline="0">
             <a:ln>
               <a:noFill/>
             </a:ln>
@@ -6277,7 +6756,7 @@
           <a:buFontTx/>
           <a:buNone/>
           <a:tabLst/>
-          <a:defRPr b="0" baseline="0" cap="none" i="0" spc="0" strike="noStrike" sz="1800" u="none" kumimoji="0" normalizeH="0">
+          <a:defRPr kumimoji="0" sz="1800" b="0" i="0" u="none" strike="noStrike" cap="none" spc="0" normalizeH="0" baseline="0">
             <a:ln>
               <a:noFill/>
             </a:ln>
@@ -6303,7 +6782,7 @@
           <a:buFontTx/>
           <a:buNone/>
           <a:tabLst/>
-          <a:defRPr b="0" baseline="0" cap="none" i="0" spc="0" strike="noStrike" sz="1800" u="none" kumimoji="0" normalizeH="0">
+          <a:defRPr kumimoji="0" sz="1800" b="0" i="0" u="none" strike="noStrike" cap="none" spc="0" normalizeH="0" baseline="0">
             <a:ln>
               <a:noFill/>
             </a:ln>
@@ -6329,7 +6808,7 @@
           <a:buFontTx/>
           <a:buNone/>
           <a:tabLst/>
-          <a:defRPr b="0" baseline="0" cap="none" i="0" spc="0" strike="noStrike" sz="1800" u="none" kumimoji="0" normalizeH="0">
+          <a:defRPr kumimoji="0" sz="1800" b="0" i="0" u="none" strike="noStrike" cap="none" spc="0" normalizeH="0" baseline="0">
             <a:ln>
               <a:noFill/>
             </a:ln>
@@ -6355,7 +6834,7 @@
           <a:buFontTx/>
           <a:buNone/>
           <a:tabLst/>
-          <a:defRPr b="0" baseline="0" cap="none" i="0" spc="0" strike="noStrike" sz="1800" u="none" kumimoji="0" normalizeH="0">
+          <a:defRPr kumimoji="0" sz="1800" b="0" i="0" u="none" strike="noStrike" cap="none" spc="0" normalizeH="0" baseline="0">
             <a:ln>
               <a:noFill/>
             </a:ln>
@@ -6381,7 +6860,7 @@
           <a:buFontTx/>
           <a:buNone/>
           <a:tabLst/>
-          <a:defRPr b="0" baseline="0" cap="none" i="0" spc="0" strike="noStrike" sz="1800" u="none" kumimoji="0" normalizeH="0">
+          <a:defRPr kumimoji="0" sz="1800" b="0" i="0" u="none" strike="noStrike" cap="none" spc="0" normalizeH="0" baseline="0">
             <a:ln>
               <a:noFill/>
             </a:ln>
@@ -6407,7 +6886,7 @@
           <a:buFontTx/>
           <a:buNone/>
           <a:tabLst/>
-          <a:defRPr b="0" baseline="0" cap="none" i="0" spc="0" strike="noStrike" sz="1800" u="none" kumimoji="0" normalizeH="0">
+          <a:defRPr kumimoji="0" sz="1800" b="0" i="0" u="none" strike="noStrike" cap="none" spc="0" normalizeH="0" baseline="0">
             <a:ln>
               <a:noFill/>
             </a:ln>
@@ -6433,7 +6912,7 @@
           <a:buFontTx/>
           <a:buNone/>
           <a:tabLst/>
-          <a:defRPr b="0" baseline="0" cap="none" i="0" spc="0" strike="noStrike" sz="1800" u="none" kumimoji="0" normalizeH="0">
+          <a:defRPr kumimoji="0" sz="1800" b="0" i="0" u="none" strike="noStrike" cap="none" spc="0" normalizeH="0" baseline="0">
             <a:ln>
               <a:noFill/>
             </a:ln>
@@ -6459,7 +6938,7 @@
           <a:buFontTx/>
           <a:buNone/>
           <a:tabLst/>
-          <a:defRPr b="0" baseline="0" cap="none" i="0" spc="0" strike="noStrike" sz="1800" u="none" kumimoji="0" normalizeH="0">
+          <a:defRPr kumimoji="0" sz="1800" b="0" i="0" u="none" strike="noStrike" cap="none" spc="0" normalizeH="0" baseline="0">
             <a:ln>
               <a:noFill/>
             </a:ln>
@@ -6485,7 +6964,7 @@
           <a:buFontTx/>
           <a:buNone/>
           <a:tabLst/>
-          <a:defRPr b="0" baseline="0" cap="none" i="0" spc="0" strike="noStrike" sz="1800" u="none" kumimoji="0" normalizeH="0">
+          <a:defRPr kumimoji="0" sz="1800" b="0" i="0" u="none" strike="noStrike" cap="none" spc="0" normalizeH="0" baseline="0">
             <a:ln>
               <a:noFill/>
             </a:ln>
@@ -6498,9 +6977,15 @@
         </a:lvl9pPr>
       </a:lstStyle>
       <a:style>
-        <a:lnRef idx="0"/>
-        <a:fillRef idx="0"/>
-        <a:effectRef idx="0"/>
+        <a:lnRef idx="0">
+          <a:scrgbClr r="0" g="0" b="0"/>
+        </a:lnRef>
+        <a:fillRef idx="0">
+          <a:scrgbClr r="0" g="0" b="0"/>
+        </a:fillRef>
+        <a:effectRef idx="0">
+          <a:scrgbClr r="0" g="0" b="0"/>
+        </a:effectRef>
         <a:fontRef idx="none"/>
       </a:style>
     </a:spDef>
@@ -6517,7 +7002,7 @@
         <a:effectLst/>
         <a:sp3d/>
       </a:spPr>
-      <a:bodyPr rot="0" spcFirstLastPara="1" vertOverflow="overflow" horzOverflow="overflow" vert="horz" wrap="square" lIns="91439" tIns="45719" rIns="91439" bIns="45719" numCol="1" spcCol="38100" rtlCol="0" anchor="t" upright="0">
+      <a:bodyPr rot="0" spcFirstLastPara="1" vertOverflow="overflow" horzOverflow="overflow" vert="horz" wrap="square" lIns="91439" tIns="45719" rIns="91439" bIns="45719" numCol="1" spcCol="38100" rtlCol="0" anchor="t">
         <a:noAutofit/>
       </a:bodyPr>
       <a:lstStyle>
@@ -6536,7 +7021,7 @@
           <a:buFontTx/>
           <a:buNone/>
           <a:tabLst/>
-          <a:defRPr b="0" baseline="0" cap="none" i="0" spc="0" strike="noStrike" sz="1800" u="none" kumimoji="0" normalizeH="0">
+          <a:defRPr kumimoji="0" sz="1800" b="0" i="0" u="none" strike="noStrike" cap="none" spc="0" normalizeH="0" baseline="0">
             <a:ln>
               <a:noFill/>
             </a:ln>
@@ -6562,7 +7047,7 @@
           <a:buFontTx/>
           <a:buNone/>
           <a:tabLst/>
-          <a:defRPr b="0" baseline="0" cap="none" i="0" spc="0" strike="noStrike" sz="1800" u="none" kumimoji="0" normalizeH="0">
+          <a:defRPr kumimoji="0" sz="1800" b="0" i="0" u="none" strike="noStrike" cap="none" spc="0" normalizeH="0" baseline="0">
             <a:ln>
               <a:noFill/>
             </a:ln>
@@ -6588,7 +7073,7 @@
           <a:buFontTx/>
           <a:buNone/>
           <a:tabLst/>
-          <a:defRPr b="0" baseline="0" cap="none" i="0" spc="0" strike="noStrike" sz="1800" u="none" kumimoji="0" normalizeH="0">
+          <a:defRPr kumimoji="0" sz="1800" b="0" i="0" u="none" strike="noStrike" cap="none" spc="0" normalizeH="0" baseline="0">
             <a:ln>
               <a:noFill/>
             </a:ln>
@@ -6614,7 +7099,7 @@
           <a:buFontTx/>
           <a:buNone/>
           <a:tabLst/>
-          <a:defRPr b="0" baseline="0" cap="none" i="0" spc="0" strike="noStrike" sz="1800" u="none" kumimoji="0" normalizeH="0">
+          <a:defRPr kumimoji="0" sz="1800" b="0" i="0" u="none" strike="noStrike" cap="none" spc="0" normalizeH="0" baseline="0">
             <a:ln>
               <a:noFill/>
             </a:ln>
@@ -6640,7 +7125,7 @@
           <a:buFontTx/>
           <a:buNone/>
           <a:tabLst/>
-          <a:defRPr b="0" baseline="0" cap="none" i="0" spc="0" strike="noStrike" sz="1800" u="none" kumimoji="0" normalizeH="0">
+          <a:defRPr kumimoji="0" sz="1800" b="0" i="0" u="none" strike="noStrike" cap="none" spc="0" normalizeH="0" baseline="0">
             <a:ln>
               <a:noFill/>
             </a:ln>
@@ -6666,7 +7151,7 @@
           <a:buFontTx/>
           <a:buNone/>
           <a:tabLst/>
-          <a:defRPr b="0" baseline="0" cap="none" i="0" spc="0" strike="noStrike" sz="1800" u="none" kumimoji="0" normalizeH="0">
+          <a:defRPr kumimoji="0" sz="1800" b="0" i="0" u="none" strike="noStrike" cap="none" spc="0" normalizeH="0" baseline="0">
             <a:ln>
               <a:noFill/>
             </a:ln>
@@ -6692,7 +7177,7 @@
           <a:buFontTx/>
           <a:buNone/>
           <a:tabLst/>
-          <a:defRPr b="0" baseline="0" cap="none" i="0" spc="0" strike="noStrike" sz="1800" u="none" kumimoji="0" normalizeH="0">
+          <a:defRPr kumimoji="0" sz="1800" b="0" i="0" u="none" strike="noStrike" cap="none" spc="0" normalizeH="0" baseline="0">
             <a:ln>
               <a:noFill/>
             </a:ln>
@@ -6718,7 +7203,7 @@
           <a:buFontTx/>
           <a:buNone/>
           <a:tabLst/>
-          <a:defRPr b="0" baseline="0" cap="none" i="0" spc="0" strike="noStrike" sz="1800" u="none" kumimoji="0" normalizeH="0">
+          <a:defRPr kumimoji="0" sz="1800" b="0" i="0" u="none" strike="noStrike" cap="none" spc="0" normalizeH="0" baseline="0">
             <a:ln>
               <a:noFill/>
             </a:ln>
@@ -6744,7 +7229,7 @@
           <a:buFontTx/>
           <a:buNone/>
           <a:tabLst/>
-          <a:defRPr b="0" baseline="0" cap="none" i="0" spc="0" strike="noStrike" sz="1800" u="none" kumimoji="0" normalizeH="0">
+          <a:defRPr kumimoji="0" sz="1800" b="0" i="0" u="none" strike="noStrike" cap="none" spc="0" normalizeH="0" baseline="0">
             <a:ln>
               <a:noFill/>
             </a:ln>
@@ -6770,7 +7255,7 @@
           <a:buFontTx/>
           <a:buNone/>
           <a:tabLst/>
-          <a:defRPr b="0" baseline="0" cap="none" i="0" spc="0" strike="noStrike" sz="1800" u="none" kumimoji="0" normalizeH="0">
+          <a:defRPr kumimoji="0" sz="1800" b="0" i="0" u="none" strike="noStrike" cap="none" spc="0" normalizeH="0" baseline="0">
             <a:ln>
               <a:noFill/>
             </a:ln>
@@ -6783,9 +7268,15 @@
         </a:lvl9pPr>
       </a:lstStyle>
       <a:style>
-        <a:lnRef idx="0"/>
-        <a:fillRef idx="0"/>
-        <a:effectRef idx="0"/>
+        <a:lnRef idx="0">
+          <a:scrgbClr r="0" g="0" b="0"/>
+        </a:lnRef>
+        <a:fillRef idx="0">
+          <a:scrgbClr r="0" g="0" b="0"/>
+        </a:fillRef>
+        <a:effectRef idx="0">
+          <a:scrgbClr r="0" g="0" b="0"/>
+        </a:effectRef>
         <a:fontRef idx="none"/>
       </a:style>
     </a:lnDef>
@@ -6799,7 +7290,7 @@
         <a:effectLst/>
         <a:sp3d/>
       </a:spPr>
-      <a:bodyPr rot="0" spcFirstLastPara="1" vertOverflow="overflow" horzOverflow="overflow" vert="horz" wrap="square" lIns="50800" tIns="50800" rIns="50800" bIns="50800" numCol="1" spcCol="38100" rtlCol="0" anchor="ctr" upright="0">
+      <a:bodyPr rot="0" spcFirstLastPara="1" vertOverflow="overflow" horzOverflow="overflow" vert="horz" wrap="square" lIns="50800" tIns="50800" rIns="50800" bIns="50800" numCol="1" spcCol="38100" rtlCol="0" anchor="ctr">
         <a:spAutoFit/>
       </a:bodyPr>
       <a:lstStyle>
@@ -6818,7 +7309,7 @@
           <a:buFontTx/>
           <a:buNone/>
           <a:tabLst/>
-          <a:defRPr b="0" baseline="0" cap="none" i="0" spc="0" strike="noStrike" sz="3600" u="none" kumimoji="0" normalizeH="0">
+          <a:defRPr kumimoji="0" sz="3600" b="0" i="0" u="none" strike="noStrike" cap="none" spc="0" normalizeH="0" baseline="0">
             <a:ln>
               <a:noFill/>
             </a:ln>
@@ -6848,7 +7339,7 @@
           <a:buFontTx/>
           <a:buNone/>
           <a:tabLst/>
-          <a:defRPr b="0" baseline="0" cap="none" i="0" spc="0" strike="noStrike" sz="1800" u="none" kumimoji="0" normalizeH="0">
+          <a:defRPr kumimoji="0" sz="1800" b="0" i="0" u="none" strike="noStrike" cap="none" spc="0" normalizeH="0" baseline="0">
             <a:ln>
               <a:noFill/>
             </a:ln>
@@ -6874,7 +7365,7 @@
           <a:buFontTx/>
           <a:buNone/>
           <a:tabLst/>
-          <a:defRPr b="0" baseline="0" cap="none" i="0" spc="0" strike="noStrike" sz="1800" u="none" kumimoji="0" normalizeH="0">
+          <a:defRPr kumimoji="0" sz="1800" b="0" i="0" u="none" strike="noStrike" cap="none" spc="0" normalizeH="0" baseline="0">
             <a:ln>
               <a:noFill/>
             </a:ln>
@@ -6900,7 +7391,7 @@
           <a:buFontTx/>
           <a:buNone/>
           <a:tabLst/>
-          <a:defRPr b="0" baseline="0" cap="none" i="0" spc="0" strike="noStrike" sz="1800" u="none" kumimoji="0" normalizeH="0">
+          <a:defRPr kumimoji="0" sz="1800" b="0" i="0" u="none" strike="noStrike" cap="none" spc="0" normalizeH="0" baseline="0">
             <a:ln>
               <a:noFill/>
             </a:ln>
@@ -6926,7 +7417,7 @@
           <a:buFontTx/>
           <a:buNone/>
           <a:tabLst/>
-          <a:defRPr b="0" baseline="0" cap="none" i="0" spc="0" strike="noStrike" sz="1800" u="none" kumimoji="0" normalizeH="0">
+          <a:defRPr kumimoji="0" sz="1800" b="0" i="0" u="none" strike="noStrike" cap="none" spc="0" normalizeH="0" baseline="0">
             <a:ln>
               <a:noFill/>
             </a:ln>
@@ -6952,7 +7443,7 @@
           <a:buFontTx/>
           <a:buNone/>
           <a:tabLst/>
-          <a:defRPr b="0" baseline="0" cap="none" i="0" spc="0" strike="noStrike" sz="1800" u="none" kumimoji="0" normalizeH="0">
+          <a:defRPr kumimoji="0" sz="1800" b="0" i="0" u="none" strike="noStrike" cap="none" spc="0" normalizeH="0" baseline="0">
             <a:ln>
               <a:noFill/>
             </a:ln>
@@ -6978,7 +7469,7 @@
           <a:buFontTx/>
           <a:buNone/>
           <a:tabLst/>
-          <a:defRPr b="0" baseline="0" cap="none" i="0" spc="0" strike="noStrike" sz="1800" u="none" kumimoji="0" normalizeH="0">
+          <a:defRPr kumimoji="0" sz="1800" b="0" i="0" u="none" strike="noStrike" cap="none" spc="0" normalizeH="0" baseline="0">
             <a:ln>
               <a:noFill/>
             </a:ln>
@@ -7004,7 +7495,7 @@
           <a:buFontTx/>
           <a:buNone/>
           <a:tabLst/>
-          <a:defRPr b="0" baseline="0" cap="none" i="0" spc="0" strike="noStrike" sz="1800" u="none" kumimoji="0" normalizeH="0">
+          <a:defRPr kumimoji="0" sz="1800" b="0" i="0" u="none" strike="noStrike" cap="none" spc="0" normalizeH="0" baseline="0">
             <a:ln>
               <a:noFill/>
             </a:ln>
@@ -7030,7 +7521,7 @@
           <a:buFontTx/>
           <a:buNone/>
           <a:tabLst/>
-          <a:defRPr b="0" baseline="0" cap="none" i="0" spc="0" strike="noStrike" sz="1800" u="none" kumimoji="0" normalizeH="0">
+          <a:defRPr kumimoji="0" sz="1800" b="0" i="0" u="none" strike="noStrike" cap="none" spc="0" normalizeH="0" baseline="0">
             <a:ln>
               <a:noFill/>
             </a:ln>
@@ -7056,7 +7547,7 @@
           <a:buFontTx/>
           <a:buNone/>
           <a:tabLst/>
-          <a:defRPr b="0" baseline="0" cap="none" i="0" spc="0" strike="noStrike" sz="1800" u="none" kumimoji="0" normalizeH="0">
+          <a:defRPr kumimoji="0" sz="1800" b="0" i="0" u="none" strike="noStrike" cap="none" spc="0" normalizeH="0" baseline="0">
             <a:ln>
               <a:noFill/>
             </a:ln>
@@ -7069,12 +7560,19 @@
         </a:lvl9pPr>
       </a:lstStyle>
       <a:style>
-        <a:lnRef idx="0"/>
-        <a:fillRef idx="0"/>
-        <a:effectRef idx="0"/>
+        <a:lnRef idx="0">
+          <a:scrgbClr r="0" g="0" b="0"/>
+        </a:lnRef>
+        <a:fillRef idx="0">
+          <a:scrgbClr r="0" g="0" b="0"/>
+        </a:fillRef>
+        <a:effectRef idx="0">
+          <a:scrgbClr r="0" g="0" b="0"/>
+        </a:effectRef>
         <a:fontRef idx="none"/>
       </a:style>
     </a:txDef>
   </a:objectDefaults>
+  <a:extraClrSchemeLst/>
 </a:theme>
 </file>
--- a/LearningNote/CEH/CEH.pptx
+++ b/LearningNote/CEH/CEH.pptx
@@ -5,7 +5,7 @@
     <p:sldMasterId id="2147483648" r:id="rId1"/>
   </p:sldMasterIdLst>
   <p:notesMasterIdLst>
-    <p:notesMasterId r:id="rId14"/>
+    <p:notesMasterId r:id="rId15"/>
   </p:notesMasterIdLst>
   <p:sldIdLst>
     <p:sldId id="256" r:id="rId2"/>
@@ -20,6 +20,7 @@
     <p:sldId id="265" r:id="rId11"/>
     <p:sldId id="266" r:id="rId12"/>
     <p:sldId id="267" r:id="rId13"/>
+    <p:sldId id="268" r:id="rId14"/>
   </p:sldIdLst>
   <p:sldSz cx="13004800" cy="9753600"/>
   <p:notesSz cx="6858000" cy="9144000"/>
@@ -321,7 +322,27 @@
       </a:defRPr>
     </a:lvl9pPr>
   </p:defaultTextStyle>
+  <p:extLst>
+    <p:ext uri="{EFAFB233-063F-42B5-8137-9DF3F51BA10A}">
+      <p15:sldGuideLst xmlns:p15="http://schemas.microsoft.com/office/powerpoint/2012/main">
+        <p15:guide id="1" orient="horz" pos="3072">
+          <p15:clr>
+            <a:srgbClr val="A4A3A4"/>
+          </p15:clr>
+        </p15:guide>
+        <p15:guide id="2" pos="4096">
+          <p15:clr>
+            <a:srgbClr val="A4A3A4"/>
+          </p15:clr>
+        </p15:guide>
+      </p15:sldGuideLst>
+    </p:ext>
+  </p:extLst>
 </p:presentation>
+</file>
+
+<file path=ppt/revisionInfo.xml><?xml version="1.0" encoding="utf-8"?>
+<p1510:revInfo xmlns:a="http://schemas.openxmlformats.org/drawingml/2006/main" xmlns:r="http://schemas.openxmlformats.org/officeDocument/2006/relationships" xmlns:p1510="http://schemas.microsoft.com/office/powerpoint/2015/10/main"/>
 </file>
 
 <file path=ppt/notesMasters/notesMaster1.xml><?xml version="1.0" encoding="utf-8"?>
@@ -2129,7 +2150,7 @@
           </a:ln>
           <a:extLst>
             <a:ext uri="{C572A759-6A51-4108-AA02-DFA0A04FC94B}">
-              <ma14:wrappingTextBoxFlag xmlns="" xmlns:ma14="http://schemas.microsoft.com/office/mac/drawingml/2011/main" val="1"/>
+              <ma14:wrappingTextBoxFlag xmlns:ma14="http://schemas.microsoft.com/office/mac/drawingml/2011/main" xmlns="" val="1"/>
             </a:ext>
           </a:extLst>
         </p:spPr>
@@ -2168,7 +2189,7 @@
           </a:ln>
           <a:extLst>
             <a:ext uri="{C572A759-6A51-4108-AA02-DFA0A04FC94B}">
-              <ma14:wrappingTextBoxFlag xmlns="" xmlns:ma14="http://schemas.microsoft.com/office/mac/drawingml/2011/main" val="1"/>
+              <ma14:wrappingTextBoxFlag xmlns:ma14="http://schemas.microsoft.com/office/mac/drawingml/2011/main" xmlns="" val="1"/>
             </a:ext>
           </a:extLst>
         </p:spPr>
@@ -3095,7 +3116,7 @@
           </a:ln>
           <a:extLst>
             <a:ext uri="{C572A759-6A51-4108-AA02-DFA0A04FC94B}">
-              <ma14:wrappingTextBoxFlag xmlns="" xmlns:ma14="http://schemas.microsoft.com/office/mac/drawingml/2011/main" val="1"/>
+              <ma14:wrappingTextBoxFlag xmlns:ma14="http://schemas.microsoft.com/office/mac/drawingml/2011/main" xmlns="" val="1"/>
             </a:ext>
           </a:extLst>
         </p:spPr>
@@ -3170,7 +3191,7 @@
               <a:t>L2TP: Layer 2 Tunneling Protocol is a tunneling protocol used to support virtual private networks (VPNs) or as part of the delivery of services by ISPs. It does </a:t>
             </a:r>
             <a:r>
-              <a:rPr lang="en-US" dirty="0" smtClean="0">
+              <a:rPr lang="en-US" dirty="0">
                 <a:solidFill>
                   <a:srgbClr val="FF0000"/>
                 </a:solidFill>
@@ -3178,16 +3199,12 @@
               <a:t>NOT</a:t>
             </a:r>
             <a:r>
-              <a:rPr lang="en-US" dirty="0" smtClean="0"/>
+              <a:rPr lang="en-US" dirty="0"/>
               <a:t> </a:t>
             </a:r>
             <a:r>
-              <a:rPr dirty="0" smtClean="0"/>
-              <a:t>provide </a:t>
-            </a:r>
-            <a:r>
               <a:rPr dirty="0"/>
-              <a:t>any encryption or confidentiality by itself.</a:t>
+              <a:t>provide any encryption or confidentiality by itself.</a:t>
             </a:r>
           </a:p>
           <a:p>
@@ -3220,30 +3237,26 @@
             </a:r>
             <a:r>
               <a:rPr dirty="0" err="1"/>
-              <a:t>托管</a:t>
-            </a:r>
-            <a:r>
-              <a:rPr dirty="0" err="1" smtClean="0"/>
-              <a:t>key</a:t>
-            </a:r>
-            <a:r>
-              <a:rPr lang="en-US" dirty="0" smtClean="0"/>
+              <a:t>托管key</a:t>
+            </a:r>
+            <a:r>
+              <a:rPr lang="en-US" dirty="0"/>
               <a:t>,</a:t>
             </a:r>
             <a:r>
-              <a:rPr lang="zh-CN" altLang="en-US" dirty="0" smtClean="0"/>
+              <a:rPr lang="zh-CN" altLang="en-US" dirty="0"/>
               <a:t>这个不知道是什么东西</a:t>
             </a:r>
             <a:r>
-              <a:rPr lang="en-US" altLang="zh-CN" dirty="0" smtClean="0"/>
+              <a:rPr lang="en-US" altLang="zh-CN" dirty="0"/>
               <a:t>	</a:t>
             </a:r>
             <a:r>
-              <a:rPr lang="en-US" dirty="0" smtClean="0"/>
+              <a:rPr lang="en-US" dirty="0"/>
               <a:t>(</a:t>
             </a:r>
             <a:r>
-              <a:rPr dirty="0" err="1" smtClean="0"/>
+              <a:rPr dirty="0" err="1"/>
               <a:t>在</a:t>
             </a:r>
             <a:r>
@@ -3275,30 +3288,26 @@
             </a:r>
             <a:r>
               <a:rPr dirty="0" err="1"/>
-              <a:t>中</a:t>
-            </a:r>
-            <a:r>
-              <a:rPr dirty="0" err="1" smtClean="0"/>
-              <a:t>，</a:t>
-            </a:r>
-            <a:r>
-              <a:rPr lang="en-US" u="sng" dirty="0" err="1" smtClean="0"/>
+              <a:t>中，</a:t>
+            </a:r>
+            <a:r>
+              <a:rPr lang="en-US" u="sng" dirty="0" err="1"/>
               <a:t>previous</a:t>
             </a:r>
             <a:r>
-              <a:rPr lang="en-US" u="sng" dirty="0" smtClean="0"/>
+              <a:rPr lang="en-US" u="sng" dirty="0"/>
               <a:t> </a:t>
             </a:r>
             <a:r>
-              <a:rPr lang="en-US" u="sng" dirty="0" err="1" smtClean="0"/>
+              <a:rPr lang="en-US" u="sng" dirty="0" err="1"/>
               <a:t>key</a:t>
             </a:r>
             <a:r>
-              <a:rPr dirty="0" err="1" smtClean="0"/>
+              <a:rPr dirty="0" err="1"/>
               <a:t>必须可以被找回</a:t>
             </a:r>
             <a:r>
-              <a:rPr lang="en-US" dirty="0" smtClean="0"/>
+              <a:rPr lang="en-US" dirty="0"/>
               <a:t>)</a:t>
             </a:r>
             <a:endParaRPr dirty="0"/>
@@ -3386,7 +3395,7 @@
           </a:ln>
           <a:extLst>
             <a:ext uri="{C572A759-6A51-4108-AA02-DFA0A04FC94B}">
-              <ma14:wrappingTextBoxFlag xmlns="" xmlns:ma14="http://schemas.microsoft.com/office/mac/drawingml/2011/main" val="1"/>
+              <ma14:wrappingTextBoxFlag xmlns:ma14="http://schemas.microsoft.com/office/mac/drawingml/2011/main" xmlns="" val="1"/>
             </a:ext>
           </a:extLst>
         </p:spPr>
@@ -3544,7 +3553,7 @@
           </a:ln>
           <a:extLst>
             <a:ext uri="{C572A759-6A51-4108-AA02-DFA0A04FC94B}">
-              <ma14:wrappingTextBoxFlag xmlns="" xmlns:ma14="http://schemas.microsoft.com/office/mac/drawingml/2011/main" val="1"/>
+              <ma14:wrappingTextBoxFlag xmlns:ma14="http://schemas.microsoft.com/office/mac/drawingml/2011/main" xmlns="" val="1"/>
             </a:ext>
           </a:extLst>
         </p:spPr>
@@ -3705,7 +3714,7 @@
           </a:ln>
           <a:extLst>
             <a:ext uri="{C572A759-6A51-4108-AA02-DFA0A04FC94B}">
-              <ma14:wrappingTextBoxFlag xmlns="" xmlns:ma14="http://schemas.microsoft.com/office/mac/drawingml/2011/main" val="1"/>
+              <ma14:wrappingTextBoxFlag xmlns:ma14="http://schemas.microsoft.com/office/mac/drawingml/2011/main" xmlns="" val="1"/>
             </a:ext>
           </a:extLst>
         </p:spPr>
@@ -3745,6 +3754,188 @@
         </p:txBody>
       </p:sp>
     </p:spTree>
+  </p:cSld>
+  <p:clrMapOvr>
+    <a:masterClrMapping/>
+  </p:clrMapOvr>
+  <p:transition spd="med"/>
+</p:sld>
+</file>
+
+<file path=ppt/slides/slide13.xml><?xml version="1.0" encoding="utf-8"?>
+<p:sld xmlns:a="http://schemas.openxmlformats.org/drawingml/2006/main" xmlns:r="http://schemas.openxmlformats.org/officeDocument/2006/relationships" xmlns:p="http://schemas.openxmlformats.org/presentationml/2006/main">
+  <p:cSld>
+    <p:spTree>
+      <p:nvGrpSpPr>
+        <p:cNvPr id="1" name=""/>
+        <p:cNvGrpSpPr/>
+        <p:nvPr/>
+      </p:nvGrpSpPr>
+      <p:grpSpPr>
+        <a:xfrm>
+          <a:off x="0" y="0"/>
+          <a:ext cx="0" cy="0"/>
+          <a:chOff x="0" y="0"/>
+          <a:chExt cx="0" cy="0"/>
+        </a:xfrm>
+      </p:grpSpPr>
+      <p:sp>
+        <p:nvSpPr>
+          <p:cNvPr id="2" name="TextBox 1">
+            <a:extLst>
+              <a:ext uri="{FF2B5EF4-FFF2-40B4-BE49-F238E27FC236}">
+                <a16:creationId xmlns:a16="http://schemas.microsoft.com/office/drawing/2014/main" id="{463CEFD2-10F6-484F-A04A-B5348581879F}"/>
+              </a:ext>
+            </a:extLst>
+          </p:cNvPr>
+          <p:cNvSpPr txBox="1"/>
+          <p:nvPr/>
+        </p:nvSpPr>
+        <p:spPr>
+          <a:xfrm>
+            <a:off x="885776" y="412304"/>
+            <a:ext cx="4603825" cy="656590"/>
+          </a:xfrm>
+          <a:prstGeom prst="rect">
+            <a:avLst/>
+          </a:prstGeom>
+          <a:noFill/>
+          <a:ln w="12700" cap="flat">
+            <a:noFill/>
+            <a:miter lim="400000"/>
+          </a:ln>
+          <a:effectLst/>
+          <a:sp3d/>
+        </p:spPr>
+        <p:style>
+          <a:lnRef idx="0">
+            <a:scrgbClr r="0" g="0" b="0"/>
+          </a:lnRef>
+          <a:fillRef idx="0">
+            <a:scrgbClr r="0" g="0" b="0"/>
+          </a:fillRef>
+          <a:effectRef idx="0">
+            <a:scrgbClr r="0" g="0" b="0"/>
+          </a:effectRef>
+          <a:fontRef idx="none"/>
+        </p:style>
+        <p:txBody>
+          <a:bodyPr rot="0" spcFirstLastPara="1" vertOverflow="overflow" horzOverflow="overflow" vert="horz" wrap="none" lIns="50800" tIns="50800" rIns="50800" bIns="50800" numCol="1" spcCol="38100" rtlCol="0" anchor="ctr">
+            <a:spAutoFit/>
+          </a:bodyPr>
+          <a:lstStyle/>
+          <a:p>
+            <a:pPr marL="0" marR="0" indent="0" algn="ctr" defTabSz="584200" rtl="0" fontAlgn="auto" latinLnBrk="0" hangingPunct="0">
+              <a:lnSpc>
+                <a:spcPct val="100000"/>
+              </a:lnSpc>
+              <a:spcBef>
+                <a:spcPts val="0"/>
+              </a:spcBef>
+              <a:spcAft>
+                <a:spcPts val="0"/>
+              </a:spcAft>
+              <a:buClrTx/>
+              <a:buSzTx/>
+              <a:buFontTx/>
+              <a:buNone/>
+              <a:tabLst/>
+            </a:pPr>
+            <a:r>
+              <a:rPr kumimoji="0" lang="en-US" altLang="zh-CN" sz="3600" b="0" i="0" u="none" strike="noStrike" cap="none" spc="0" normalizeH="0" baseline="0" dirty="0" err="1">
+                <a:ln>
+                  <a:noFill/>
+                </a:ln>
+                <a:solidFill>
+                  <a:srgbClr val="FFFFFF"/>
+                </a:solidFill>
+                <a:effectLst/>
+                <a:uFillTx/>
+                <a:latin typeface="+mn-lt"/>
+                <a:ea typeface="+mn-ea"/>
+                <a:cs typeface="+mn-cs"/>
+                <a:sym typeface="Helvetica Light"/>
+              </a:rPr>
+              <a:t>ToDo</a:t>
+            </a:r>
+            <a:r>
+              <a:rPr kumimoji="0" lang="en-US" altLang="zh-CN" sz="3600" b="0" i="0" u="none" strike="noStrike" cap="none" spc="0" normalizeH="0" baseline="0" dirty="0">
+                <a:ln>
+                  <a:noFill/>
+                </a:ln>
+                <a:solidFill>
+                  <a:srgbClr val="FFFFFF"/>
+                </a:solidFill>
+                <a:effectLst/>
+                <a:uFillTx/>
+                <a:latin typeface="+mn-lt"/>
+                <a:ea typeface="+mn-ea"/>
+                <a:cs typeface="+mn-cs"/>
+                <a:sym typeface="Helvetica Light"/>
+              </a:rPr>
+              <a:t>: </a:t>
+            </a:r>
+            <a:r>
+              <a:rPr kumimoji="0" lang="en-US" altLang="zh-CN" sz="3600" b="0" i="0" u="none" strike="noStrike" cap="none" spc="0" normalizeH="0" baseline="0" dirty="0" err="1">
+                <a:ln>
+                  <a:noFill/>
+                </a:ln>
+                <a:solidFill>
+                  <a:srgbClr val="FFFFFF"/>
+                </a:solidFill>
+                <a:effectLst/>
+                <a:uFillTx/>
+                <a:latin typeface="+mn-lt"/>
+                <a:ea typeface="+mn-ea"/>
+                <a:cs typeface="+mn-cs"/>
+                <a:sym typeface="Helvetica Light"/>
+              </a:rPr>
+              <a:t>aircrack</a:t>
+            </a:r>
+            <a:r>
+              <a:rPr kumimoji="0" lang="en-US" altLang="zh-CN" sz="3600" b="0" i="0" u="none" strike="noStrike" cap="none" spc="0" normalizeH="0" baseline="0" dirty="0">
+                <a:ln>
+                  <a:noFill/>
+                </a:ln>
+                <a:solidFill>
+                  <a:srgbClr val="FFFFFF"/>
+                </a:solidFill>
+                <a:effectLst/>
+                <a:uFillTx/>
+                <a:latin typeface="+mn-lt"/>
+                <a:ea typeface="+mn-ea"/>
+                <a:cs typeface="+mn-cs"/>
+                <a:sym typeface="Helvetica Light"/>
+              </a:rPr>
+              <a:t>-ng</a:t>
+            </a:r>
+            <a:r>
+              <a:rPr lang="zh-CN" altLang="en-US" dirty="0"/>
+              <a:t>用法</a:t>
+            </a:r>
+            <a:endParaRPr kumimoji="0" lang="en-US" sz="3600" b="0" i="0" u="none" strike="noStrike" cap="none" spc="0" normalizeH="0" baseline="0" dirty="0">
+              <a:ln>
+                <a:noFill/>
+              </a:ln>
+              <a:solidFill>
+                <a:srgbClr val="FFFFFF"/>
+              </a:solidFill>
+              <a:effectLst/>
+              <a:uFillTx/>
+              <a:latin typeface="+mn-lt"/>
+              <a:ea typeface="+mn-ea"/>
+              <a:cs typeface="+mn-cs"/>
+              <a:sym typeface="Helvetica Light"/>
+            </a:endParaRPr>
+          </a:p>
+        </p:txBody>
+      </p:sp>
+    </p:spTree>
+    <p:extLst>
+      <p:ext uri="{BB962C8B-B14F-4D97-AF65-F5344CB8AC3E}">
+        <p14:creationId xmlns:p14="http://schemas.microsoft.com/office/powerpoint/2010/main" val="2282393226"/>
+      </p:ext>
+    </p:extLst>
   </p:cSld>
   <p:clrMapOvr>
     <a:masterClrMapping/>
@@ -3789,7 +3980,7 @@
           </a:ln>
           <a:extLst>
             <a:ext uri="{C572A759-6A51-4108-AA02-DFA0A04FC94B}">
-              <ma14:wrappingTextBoxFlag xmlns="" xmlns:ma14="http://schemas.microsoft.com/office/mac/drawingml/2011/main" val="1"/>
+              <ma14:wrappingTextBoxFlag xmlns:ma14="http://schemas.microsoft.com/office/mac/drawingml/2011/main" xmlns="" val="1"/>
             </a:ext>
           </a:extLst>
         </p:spPr>
@@ -3875,63 +4066,51 @@
               <a:buChar char="•"/>
             </a:pPr>
             <a:r>
-              <a:rPr dirty="0" smtClean="0"/>
+              <a:rPr dirty="0"/>
               <a:t>Hardening</a:t>
             </a:r>
             <a:r>
-              <a:rPr lang="en-US" dirty="0" smtClean="0"/>
+              <a:rPr lang="en-US" dirty="0"/>
               <a:t> </a:t>
             </a:r>
             <a:r>
-              <a:rPr lang="zh-CN" altLang="en-US" dirty="0" smtClean="0"/>
+              <a:rPr lang="zh-CN" altLang="en-US" dirty="0"/>
               <a:t>（</a:t>
             </a:r>
             <a:r>
-              <a:rPr lang="en-US" altLang="zh-CN" dirty="0" err="1" smtClean="0"/>
+              <a:rPr lang="en-US" altLang="zh-CN" dirty="0" err="1"/>
               <a:t>a.k.a</a:t>
             </a:r>
             <a:r>
-              <a:rPr lang="en-US" altLang="zh-CN" smtClean="0"/>
+              <a:rPr lang="en-US" altLang="zh-CN"/>
               <a:t> a </a:t>
             </a:r>
             <a:r>
-              <a:rPr lang="en-US" altLang="ja-JP" smtClean="0"/>
+              <a:rPr lang="en-US" altLang="ja-JP"/>
               <a:t>process </a:t>
             </a:r>
             <a:r>
               <a:rPr lang="en-US" altLang="ja-JP" dirty="0"/>
-              <a:t>of making an operating system secure from </a:t>
-            </a:r>
-            <a:r>
-              <a:rPr lang="en-US" altLang="ja-JP" dirty="0" smtClean="0"/>
-              <a:t>attack</a:t>
-            </a:r>
-            <a:r>
-              <a:rPr lang="zh-CN" altLang="en-US" dirty="0" smtClean="0"/>
+              <a:t>of making an operating system secure from attack</a:t>
+            </a:r>
+            <a:r>
+              <a:rPr lang="zh-CN" altLang="en-US" dirty="0"/>
               <a:t>）</a:t>
             </a:r>
             <a:r>
-              <a:rPr dirty="0" smtClean="0"/>
+              <a:rPr dirty="0"/>
+              <a:t> = remove nonessential services</a:t>
+            </a:r>
+            <a:r>
+              <a:rPr lang="en-US" dirty="0"/>
               <a:t> </a:t>
             </a:r>
             <a:r>
-              <a:rPr dirty="0"/>
-              <a:t>= remove nonessential </a:t>
-            </a:r>
-            <a:r>
-              <a:rPr dirty="0" smtClean="0"/>
-              <a:t>services</a:t>
-            </a:r>
-            <a:r>
-              <a:rPr lang="en-US" dirty="0" smtClean="0"/>
-              <a:t> </a:t>
-            </a:r>
-            <a:r>
-              <a:rPr lang="zh-CN" altLang="en-US" dirty="0" smtClean="0"/>
+              <a:rPr lang="zh-CN" altLang="en-US" dirty="0"/>
               <a:t>或者 </a:t>
             </a:r>
             <a:r>
-              <a:rPr lang="en-US" altLang="zh-CN" dirty="0" smtClean="0"/>
+              <a:rPr lang="en-US" altLang="zh-CN" dirty="0"/>
               <a:t>remove unneeded protocols</a:t>
             </a:r>
             <a:endParaRPr dirty="0"/>
@@ -4051,7 +4230,7 @@
           </a:ln>
           <a:extLst>
             <a:ext uri="{C572A759-6A51-4108-AA02-DFA0A04FC94B}">
-              <ma14:wrappingTextBoxFlag xmlns="" xmlns:ma14="http://schemas.microsoft.com/office/mac/drawingml/2011/main" val="1"/>
+              <ma14:wrappingTextBoxFlag xmlns:ma14="http://schemas.microsoft.com/office/mac/drawingml/2011/main" xmlns="" val="1"/>
             </a:ext>
           </a:extLst>
         </p:spPr>
@@ -4125,13 +4304,9 @@
             </a:pPr>
             <a:r>
               <a:rPr dirty="0"/>
-              <a:t>ARP = address resolution protocol, to get MAC </a:t>
-            </a:r>
-            <a:r>
-              <a:rPr dirty="0" smtClean="0"/>
-              <a:t>address</a:t>
-            </a:r>
-            <a:endParaRPr lang="en-US" dirty="0" smtClean="0"/>
+              <a:t>ARP = address resolution protocol, to get MAC address</a:t>
+            </a:r>
+            <a:endParaRPr lang="en-US" dirty="0"/>
           </a:p>
           <a:p>
             <a:pPr marL="421105" indent="-421105" algn="l">
@@ -4139,7 +4314,7 @@
               <a:buChar char="•"/>
             </a:pPr>
             <a:r>
-              <a:rPr lang="en-US" dirty="0" smtClean="0"/>
+              <a:rPr lang="en-US" dirty="0"/>
               <a:t>NAT = Network Address Translation</a:t>
             </a:r>
             <a:endParaRPr dirty="0"/>
@@ -4249,7 +4424,7 @@
           </a:ln>
           <a:extLst>
             <a:ext uri="{C572A759-6A51-4108-AA02-DFA0A04FC94B}">
-              <ma14:wrappingTextBoxFlag xmlns="" xmlns:ma14="http://schemas.microsoft.com/office/mac/drawingml/2011/main" val="1"/>
+              <ma14:wrappingTextBoxFlag xmlns:ma14="http://schemas.microsoft.com/office/mac/drawingml/2011/main" xmlns="" val="1"/>
             </a:ext>
           </a:extLst>
         </p:spPr>
@@ -4277,7 +4452,7 @@
               <a:rPr dirty="0"/>
               <a:t>To sum it up in simple terms, </a:t>
             </a:r>
-            <a:endParaRPr lang="en-US" dirty="0" smtClean="0"/>
+            <a:endParaRPr lang="en-US" dirty="0"/>
           </a:p>
           <a:p>
             <a:pPr algn="l" defTabSz="457200">
@@ -4295,7 +4470,7 @@
               </a:defRPr>
             </a:pPr>
             <a:r>
-              <a:rPr dirty="0" smtClean="0">
+              <a:rPr dirty="0">
                 <a:solidFill>
                   <a:srgbClr val="FF0D00"/>
                 </a:solidFill>
@@ -4303,14 +4478,10 @@
               <a:t>Telnet</a:t>
             </a:r>
             <a:r>
-              <a:rPr dirty="0" smtClean="0"/>
-              <a:t> </a:t>
-            </a:r>
-            <a:r>
               <a:rPr dirty="0"/>
-              <a:t>is used to communicate with other computers and machines in a text-based manner. </a:t>
-            </a:r>
-            <a:endParaRPr lang="en-US" dirty="0" smtClean="0"/>
+              <a:t> is used to communicate with other computers and machines in a text-based manner. </a:t>
+            </a:r>
+            <a:endParaRPr lang="en-US" dirty="0"/>
           </a:p>
           <a:p>
             <a:pPr algn="l" defTabSz="457200">
@@ -4328,12 +4499,8 @@
               </a:defRPr>
             </a:pPr>
             <a:r>
-              <a:rPr dirty="0" smtClean="0"/>
-              <a:t>A </a:t>
-            </a:r>
-            <a:r>
               <a:rPr dirty="0"/>
-              <a:t>telnet session looks something like this:</a:t>
+              <a:t>A telnet session looks something like this:</a:t>
             </a:r>
           </a:p>
           <a:p>
@@ -4400,7 +4567,7 @@
           </a:ln>
           <a:extLst>
             <a:ext uri="{C572A759-6A51-4108-AA02-DFA0A04FC94B}">
-              <ma14:wrappingTextBoxFlag xmlns="" xmlns:ma14="http://schemas.microsoft.com/office/mac/drawingml/2011/main" val="1"/>
+              <ma14:wrappingTextBoxFlag xmlns:ma14="http://schemas.microsoft.com/office/mac/drawingml/2011/main" xmlns="" val="1"/>
             </a:ext>
           </a:extLst>
         </p:spPr>
@@ -4675,7 +4842,7 @@
           </a:ln>
           <a:extLst>
             <a:ext uri="{C572A759-6A51-4108-AA02-DFA0A04FC94B}">
-              <ma14:wrappingTextBoxFlag xmlns="" xmlns:ma14="http://schemas.microsoft.com/office/mac/drawingml/2011/main" val="1"/>
+              <ma14:wrappingTextBoxFlag xmlns:ma14="http://schemas.microsoft.com/office/mac/drawingml/2011/main" xmlns="" val="1"/>
             </a:ext>
           </a:extLst>
         </p:spPr>
@@ -4741,13 +4908,9 @@
             </a:pPr>
             <a:r>
               <a:rPr dirty="0"/>
-              <a:t>HTTP = </a:t>
-            </a:r>
-            <a:r>
-              <a:rPr dirty="0" smtClean="0"/>
-              <a:t>80</a:t>
-            </a:r>
-            <a:endParaRPr lang="en-US" dirty="0" smtClean="0"/>
+              <a:t>HTTP = 80</a:t>
+            </a:r>
+            <a:endParaRPr lang="en-US" dirty="0"/>
           </a:p>
           <a:p>
             <a:pPr marL="865605" lvl="1" indent="-421105" algn="l">
@@ -4755,7 +4918,7 @@
               <a:buChar char="•"/>
             </a:pPr>
             <a:r>
-              <a:rPr lang="en-US" dirty="0" smtClean="0"/>
+              <a:rPr lang="en-US" dirty="0"/>
               <a:t>HTTPS = 443</a:t>
             </a:r>
             <a:endParaRPr dirty="0"/>
@@ -4875,7 +5038,7 @@
           </a:ln>
           <a:extLst>
             <a:ext uri="{C572A759-6A51-4108-AA02-DFA0A04FC94B}">
-              <ma14:wrappingTextBoxFlag xmlns="" xmlns:ma14="http://schemas.microsoft.com/office/mac/drawingml/2011/main" val="1"/>
+              <ma14:wrappingTextBoxFlag xmlns:ma14="http://schemas.microsoft.com/office/mac/drawingml/2011/main" xmlns="" val="1"/>
             </a:ext>
           </a:extLst>
         </p:spPr>
@@ -5003,7 +5166,7 @@
           </a:ln>
           <a:extLst>
             <a:ext uri="{C572A759-6A51-4108-AA02-DFA0A04FC94B}">
-              <ma14:wrappingTextBoxFlag xmlns="" xmlns:ma14="http://schemas.microsoft.com/office/mac/drawingml/2011/main" val="1"/>
+              <ma14:wrappingTextBoxFlag xmlns:ma14="http://schemas.microsoft.com/office/mac/drawingml/2011/main" xmlns="" val="1"/>
             </a:ext>
           </a:extLst>
         </p:spPr>
@@ -5191,7 +5354,7 @@
           </a:ln>
           <a:extLst>
             <a:ext uri="{C572A759-6A51-4108-AA02-DFA0A04FC94B}">
-              <ma14:wrappingTextBoxFlag xmlns="" xmlns:ma14="http://schemas.microsoft.com/office/mac/drawingml/2011/main" val="1"/>
+              <ma14:wrappingTextBoxFlag xmlns:ma14="http://schemas.microsoft.com/office/mac/drawingml/2011/main" xmlns="" val="1"/>
             </a:ext>
           </a:extLst>
         </p:spPr>
@@ -5362,7 +5525,7 @@
           </a:ln>
           <a:extLst>
             <a:ext uri="{C572A759-6A51-4108-AA02-DFA0A04FC94B}">
-              <ma14:wrappingTextBoxFlag xmlns="" xmlns:ma14="http://schemas.microsoft.com/office/mac/drawingml/2011/main" val="1"/>
+              <ma14:wrappingTextBoxFlag xmlns:ma14="http://schemas.microsoft.com/office/mac/drawingml/2011/main" xmlns="" val="1"/>
             </a:ext>
           </a:extLst>
         </p:spPr>
